--- a/assets/workflow_diagram.pptx
+++ b/assets/workflow_diagram.pptx
@@ -6,6 +6,7 @@
   </p:sldMasterIdLst>
   <p:sldIdLst>
     <p:sldId id="256" r:id="rId2"/>
+    <p:sldId id="257" r:id="rId3"/>
   </p:sldIdLst>
   <p:sldSz cx="12192000" cy="6858000"/>
   <p:notesSz cx="6858000" cy="9144000"/>
@@ -272,7 +273,7 @@
           <a:p>
             <a:fld id="{1E6E29A4-1EDB-D547-8110-461424C89EB7}" type="datetimeFigureOut">
               <a:rPr lang="en-CH" smtClean="0"/>
-              <a:t>04.05.24</a:t>
+              <a:t>12.09.2024</a:t>
             </a:fld>
             <a:endParaRPr lang="en-CH"/>
           </a:p>
@@ -472,7 +473,7 @@
           <a:p>
             <a:fld id="{1E6E29A4-1EDB-D547-8110-461424C89EB7}" type="datetimeFigureOut">
               <a:rPr lang="en-CH" smtClean="0"/>
-              <a:t>04.05.24</a:t>
+              <a:t>12.09.2024</a:t>
             </a:fld>
             <a:endParaRPr lang="en-CH"/>
           </a:p>
@@ -682,7 +683,7 @@
           <a:p>
             <a:fld id="{1E6E29A4-1EDB-D547-8110-461424C89EB7}" type="datetimeFigureOut">
               <a:rPr lang="en-CH" smtClean="0"/>
-              <a:t>04.05.24</a:t>
+              <a:t>12.09.2024</a:t>
             </a:fld>
             <a:endParaRPr lang="en-CH"/>
           </a:p>
@@ -882,7 +883,7 @@
           <a:p>
             <a:fld id="{1E6E29A4-1EDB-D547-8110-461424C89EB7}" type="datetimeFigureOut">
               <a:rPr lang="en-CH" smtClean="0"/>
-              <a:t>04.05.24</a:t>
+              <a:t>12.09.2024</a:t>
             </a:fld>
             <a:endParaRPr lang="en-CH"/>
           </a:p>
@@ -1158,7 +1159,7 @@
           <a:p>
             <a:fld id="{1E6E29A4-1EDB-D547-8110-461424C89EB7}" type="datetimeFigureOut">
               <a:rPr lang="en-CH" smtClean="0"/>
-              <a:t>04.05.24</a:t>
+              <a:t>12.09.2024</a:t>
             </a:fld>
             <a:endParaRPr lang="en-CH"/>
           </a:p>
@@ -1426,7 +1427,7 @@
           <a:p>
             <a:fld id="{1E6E29A4-1EDB-D547-8110-461424C89EB7}" type="datetimeFigureOut">
               <a:rPr lang="en-CH" smtClean="0"/>
-              <a:t>04.05.24</a:t>
+              <a:t>12.09.2024</a:t>
             </a:fld>
             <a:endParaRPr lang="en-CH"/>
           </a:p>
@@ -1841,7 +1842,7 @@
           <a:p>
             <a:fld id="{1E6E29A4-1EDB-D547-8110-461424C89EB7}" type="datetimeFigureOut">
               <a:rPr lang="en-CH" smtClean="0"/>
-              <a:t>04.05.24</a:t>
+              <a:t>12.09.2024</a:t>
             </a:fld>
             <a:endParaRPr lang="en-CH"/>
           </a:p>
@@ -1983,7 +1984,7 @@
           <a:p>
             <a:fld id="{1E6E29A4-1EDB-D547-8110-461424C89EB7}" type="datetimeFigureOut">
               <a:rPr lang="en-CH" smtClean="0"/>
-              <a:t>04.05.24</a:t>
+              <a:t>12.09.2024</a:t>
             </a:fld>
             <a:endParaRPr lang="en-CH"/>
           </a:p>
@@ -2096,7 +2097,7 @@
           <a:p>
             <a:fld id="{1E6E29A4-1EDB-D547-8110-461424C89EB7}" type="datetimeFigureOut">
               <a:rPr lang="en-CH" smtClean="0"/>
-              <a:t>04.05.24</a:t>
+              <a:t>12.09.2024</a:t>
             </a:fld>
             <a:endParaRPr lang="en-CH"/>
           </a:p>
@@ -2409,7 +2410,7 @@
           <a:p>
             <a:fld id="{1E6E29A4-1EDB-D547-8110-461424C89EB7}" type="datetimeFigureOut">
               <a:rPr lang="en-CH" smtClean="0"/>
-              <a:t>04.05.24</a:t>
+              <a:t>12.09.2024</a:t>
             </a:fld>
             <a:endParaRPr lang="en-CH"/>
           </a:p>
@@ -2698,7 +2699,7 @@
           <a:p>
             <a:fld id="{1E6E29A4-1EDB-D547-8110-461424C89EB7}" type="datetimeFigureOut">
               <a:rPr lang="en-CH" smtClean="0"/>
-              <a:t>04.05.24</a:t>
+              <a:t>12.09.2024</a:t>
             </a:fld>
             <a:endParaRPr lang="en-CH"/>
           </a:p>
@@ -2941,7 +2942,7 @@
           <a:p>
             <a:fld id="{1E6E29A4-1EDB-D547-8110-461424C89EB7}" type="datetimeFigureOut">
               <a:rPr lang="en-CH" smtClean="0"/>
-              <a:t>04.05.24</a:t>
+              <a:t>12.09.2024</a:t>
             </a:fld>
             <a:endParaRPr lang="en-CH"/>
           </a:p>
@@ -5225,6 +5226,2989 @@
 </p:sld>
 </file>
 
+<file path=ppt/slides/slide2.xml><?xml version="1.0" encoding="utf-8"?>
+<p:sld xmlns:a="http://schemas.openxmlformats.org/drawingml/2006/main" xmlns:r="http://schemas.openxmlformats.org/officeDocument/2006/relationships" xmlns:p="http://schemas.openxmlformats.org/presentationml/2006/main">
+  <p:cSld>
+    <p:spTree>
+      <p:nvGrpSpPr>
+        <p:cNvPr id="1" name=""/>
+        <p:cNvGrpSpPr/>
+        <p:nvPr/>
+      </p:nvGrpSpPr>
+      <p:grpSpPr>
+        <a:xfrm>
+          <a:off x="0" y="0"/>
+          <a:ext cx="0" cy="0"/>
+          <a:chOff x="0" y="0"/>
+          <a:chExt cx="0" cy="0"/>
+        </a:xfrm>
+      </p:grpSpPr>
+      <p:grpSp>
+        <p:nvGrpSpPr>
+          <p:cNvPr id="108" name="Group 107">
+            <a:extLst>
+              <a:ext uri="{FF2B5EF4-FFF2-40B4-BE49-F238E27FC236}">
+                <a16:creationId xmlns:a16="http://schemas.microsoft.com/office/drawing/2014/main" id="{D19C5C26-2BBD-DD87-F8AE-FFEBE8CC987F}"/>
+              </a:ext>
+            </a:extLst>
+          </p:cNvPr>
+          <p:cNvGrpSpPr/>
+          <p:nvPr/>
+        </p:nvGrpSpPr>
+        <p:grpSpPr>
+          <a:xfrm>
+            <a:off x="1394750" y="2266878"/>
+            <a:ext cx="10514222" cy="4487569"/>
+            <a:chOff x="1394750" y="2266878"/>
+            <a:chExt cx="10514222" cy="4487569"/>
+          </a:xfrm>
+        </p:grpSpPr>
+        <p:sp>
+          <p:nvSpPr>
+            <p:cNvPr id="103" name="Rectangle 102">
+              <a:extLst>
+                <a:ext uri="{FF2B5EF4-FFF2-40B4-BE49-F238E27FC236}">
+                  <a16:creationId xmlns:a16="http://schemas.microsoft.com/office/drawing/2014/main" id="{EC31F66C-857B-4306-19B9-1EA4B2EF9F7C}"/>
+                </a:ext>
+              </a:extLst>
+            </p:cNvPr>
+            <p:cNvSpPr/>
+            <p:nvPr/>
+          </p:nvSpPr>
+          <p:spPr>
+            <a:xfrm>
+              <a:off x="8140449" y="5064323"/>
+              <a:ext cx="3768523" cy="1566725"/>
+            </a:xfrm>
+            <a:prstGeom prst="rect">
+              <a:avLst/>
+            </a:prstGeom>
+            <a:noFill/>
+            <a:ln>
+              <a:solidFill>
+                <a:srgbClr val="007435"/>
+              </a:solidFill>
+              <a:prstDash val="dash"/>
+            </a:ln>
+          </p:spPr>
+          <p:style>
+            <a:lnRef idx="2">
+              <a:schemeClr val="accent1">
+                <a:shade val="15000"/>
+              </a:schemeClr>
+            </a:lnRef>
+            <a:fillRef idx="1">
+              <a:schemeClr val="accent1"/>
+            </a:fillRef>
+            <a:effectRef idx="0">
+              <a:schemeClr val="accent1"/>
+            </a:effectRef>
+            <a:fontRef idx="minor">
+              <a:schemeClr val="lt1"/>
+            </a:fontRef>
+          </p:style>
+          <p:txBody>
+            <a:bodyPr rtlCol="0" anchor="ctr"/>
+            <a:lstStyle/>
+            <a:p>
+              <a:pPr algn="ctr"/>
+              <a:endParaRPr lang="en-CH"/>
+            </a:p>
+          </p:txBody>
+        </p:sp>
+        <p:sp>
+          <p:nvSpPr>
+            <p:cNvPr id="104" name="Oval 103">
+              <a:extLst>
+                <a:ext uri="{FF2B5EF4-FFF2-40B4-BE49-F238E27FC236}">
+                  <a16:creationId xmlns:a16="http://schemas.microsoft.com/office/drawing/2014/main" id="{67E98D61-EA27-D283-399C-7D3401CD088F}"/>
+                </a:ext>
+              </a:extLst>
+            </p:cNvPr>
+            <p:cNvSpPr/>
+            <p:nvPr/>
+          </p:nvSpPr>
+          <p:spPr>
+            <a:xfrm>
+              <a:off x="9650500" y="4774724"/>
+              <a:ext cx="579196" cy="579196"/>
+            </a:xfrm>
+            <a:prstGeom prst="ellipse">
+              <a:avLst/>
+            </a:prstGeom>
+            <a:solidFill>
+              <a:schemeClr val="bg1"/>
+            </a:solidFill>
+            <a:ln>
+              <a:noFill/>
+            </a:ln>
+          </p:spPr>
+          <p:style>
+            <a:lnRef idx="2">
+              <a:schemeClr val="accent1">
+                <a:shade val="15000"/>
+              </a:schemeClr>
+            </a:lnRef>
+            <a:fillRef idx="1">
+              <a:schemeClr val="accent1"/>
+            </a:fillRef>
+            <a:effectRef idx="0">
+              <a:schemeClr val="accent1"/>
+            </a:effectRef>
+            <a:fontRef idx="minor">
+              <a:schemeClr val="lt1"/>
+            </a:fontRef>
+          </p:style>
+          <p:txBody>
+            <a:bodyPr rtlCol="0" anchor="ctr"/>
+            <a:lstStyle/>
+            <a:p>
+              <a:pPr algn="ctr"/>
+              <a:endParaRPr lang="en-CH"/>
+            </a:p>
+          </p:txBody>
+        </p:sp>
+        <p:sp>
+          <p:nvSpPr>
+            <p:cNvPr id="22" name="TextBox 21">
+              <a:extLst>
+                <a:ext uri="{FF2B5EF4-FFF2-40B4-BE49-F238E27FC236}">
+                  <a16:creationId xmlns:a16="http://schemas.microsoft.com/office/drawing/2014/main" id="{99AA6549-E6D9-F960-D3B1-E5CD194A2A69}"/>
+                </a:ext>
+              </a:extLst>
+            </p:cNvPr>
+            <p:cNvSpPr txBox="1"/>
+            <p:nvPr/>
+          </p:nvSpPr>
+          <p:spPr>
+            <a:xfrm>
+              <a:off x="5440397" y="4777702"/>
+              <a:ext cx="1044592" cy="256819"/>
+            </a:xfrm>
+            <a:prstGeom prst="rect">
+              <a:avLst/>
+            </a:prstGeom>
+            <a:noFill/>
+          </p:spPr>
+          <p:txBody>
+            <a:bodyPr wrap="square" rtlCol="0">
+              <a:spAutoFit/>
+            </a:bodyPr>
+            <a:lstStyle/>
+            <a:p>
+              <a:pPr algn="ctr"/>
+              <a:r>
+                <a:rPr lang="fr-CH" dirty="0">
+                  <a:latin typeface="Calibri Light" panose="020F0302020204030204" pitchFamily="34" charset="0"/>
+                  <a:cs typeface="Calibri Light" panose="020F0302020204030204" pitchFamily="34" charset="0"/>
+                </a:rPr>
+                <a:t>Scenario</a:t>
+              </a:r>
+              <a:endParaRPr lang="en-CH" dirty="0">
+                <a:latin typeface="Calibri Light" panose="020F0302020204030204" pitchFamily="34" charset="0"/>
+                <a:cs typeface="Calibri Light" panose="020F0302020204030204" pitchFamily="34" charset="0"/>
+              </a:endParaRPr>
+            </a:p>
+          </p:txBody>
+        </p:sp>
+        <p:pic>
+          <p:nvPicPr>
+            <p:cNvPr id="5" name="Picture 4" descr="A logo with arrows in a circle&#10;&#10;Description automatically generated">
+              <a:extLst>
+                <a:ext uri="{FF2B5EF4-FFF2-40B4-BE49-F238E27FC236}">
+                  <a16:creationId xmlns:a16="http://schemas.microsoft.com/office/drawing/2014/main" id="{E502CAF9-FF59-5259-9F48-6A388DE902DC}"/>
+                </a:ext>
+              </a:extLst>
+            </p:cNvPr>
+            <p:cNvPicPr>
+              <a:picLocks noChangeAspect="1"/>
+            </p:cNvPicPr>
+            <p:nvPr/>
+          </p:nvPicPr>
+          <p:blipFill>
+            <a:blip r:embed="rId2"/>
+            <a:stretch>
+              <a:fillRect/>
+            </a:stretch>
+          </p:blipFill>
+          <p:spPr>
+            <a:xfrm>
+              <a:off x="9650500" y="4750188"/>
+              <a:ext cx="558461" cy="628269"/>
+            </a:xfrm>
+            <a:prstGeom prst="rect">
+              <a:avLst/>
+            </a:prstGeom>
+          </p:spPr>
+        </p:pic>
+        <p:pic>
+          <p:nvPicPr>
+            <p:cNvPr id="7" name="Picture 6" descr="A green and black square and black square and a black background&#10;&#10;Description automatically generated with medium confidence">
+              <a:extLst>
+                <a:ext uri="{FF2B5EF4-FFF2-40B4-BE49-F238E27FC236}">
+                  <a16:creationId xmlns:a16="http://schemas.microsoft.com/office/drawing/2014/main" id="{6A1BECB1-173B-7B67-2D6F-93B91CC58AC4}"/>
+                </a:ext>
+              </a:extLst>
+            </p:cNvPr>
+            <p:cNvPicPr>
+              <a:picLocks noChangeAspect="1"/>
+            </p:cNvPicPr>
+            <p:nvPr/>
+          </p:nvPicPr>
+          <p:blipFill>
+            <a:blip r:embed="rId3"/>
+            <a:stretch>
+              <a:fillRect/>
+            </a:stretch>
+          </p:blipFill>
+          <p:spPr>
+            <a:xfrm>
+              <a:off x="5077738" y="2594674"/>
+              <a:ext cx="688035" cy="688035"/>
+            </a:xfrm>
+            <a:prstGeom prst="rect">
+              <a:avLst/>
+            </a:prstGeom>
+          </p:spPr>
+        </p:pic>
+        <p:pic>
+          <p:nvPicPr>
+            <p:cNvPr id="9" name="Picture 8" descr="A green line on a black background&#10;&#10;Description automatically generated">
+              <a:extLst>
+                <a:ext uri="{FF2B5EF4-FFF2-40B4-BE49-F238E27FC236}">
+                  <a16:creationId xmlns:a16="http://schemas.microsoft.com/office/drawing/2014/main" id="{24EA7203-B2F6-0BC2-007A-ED139D3678BD}"/>
+                </a:ext>
+              </a:extLst>
+            </p:cNvPr>
+            <p:cNvPicPr>
+              <a:picLocks noChangeAspect="1"/>
+            </p:cNvPicPr>
+            <p:nvPr/>
+          </p:nvPicPr>
+          <p:blipFill>
+            <a:blip r:embed="rId4"/>
+            <a:stretch>
+              <a:fillRect/>
+            </a:stretch>
+          </p:blipFill>
+          <p:spPr>
+            <a:xfrm>
+              <a:off x="5656295" y="4211569"/>
+              <a:ext cx="580753" cy="580753"/>
+            </a:xfrm>
+            <a:prstGeom prst="rect">
+              <a:avLst/>
+            </a:prstGeom>
+          </p:spPr>
+        </p:pic>
+        <p:pic>
+          <p:nvPicPr>
+            <p:cNvPr id="11" name="Picture 10" descr="A green and black sign with a paper and text&#10;&#10;Description automatically generated">
+              <a:extLst>
+                <a:ext uri="{FF2B5EF4-FFF2-40B4-BE49-F238E27FC236}">
+                  <a16:creationId xmlns:a16="http://schemas.microsoft.com/office/drawing/2014/main" id="{1ABE84B9-5E9D-9F19-4C65-AD16DAC57683}"/>
+                </a:ext>
+              </a:extLst>
+            </p:cNvPr>
+            <p:cNvPicPr>
+              <a:picLocks noChangeAspect="1"/>
+            </p:cNvPicPr>
+            <p:nvPr/>
+          </p:nvPicPr>
+          <p:blipFill>
+            <a:blip r:embed="rId5"/>
+            <a:stretch>
+              <a:fillRect/>
+            </a:stretch>
+          </p:blipFill>
+          <p:spPr>
+            <a:xfrm>
+              <a:off x="6860955" y="4217581"/>
+              <a:ext cx="650074" cy="650074"/>
+            </a:xfrm>
+            <a:prstGeom prst="rect">
+              <a:avLst/>
+            </a:prstGeom>
+          </p:spPr>
+        </p:pic>
+        <p:cxnSp>
+          <p:nvCxnSpPr>
+            <p:cNvPr id="14" name="Elbow Connector 13">
+              <a:extLst>
+                <a:ext uri="{FF2B5EF4-FFF2-40B4-BE49-F238E27FC236}">
+                  <a16:creationId xmlns:a16="http://schemas.microsoft.com/office/drawing/2014/main" id="{C5EC3B95-DB83-AF3A-198E-E2F4D45CAD5D}"/>
+                </a:ext>
+              </a:extLst>
+            </p:cNvPr>
+            <p:cNvCxnSpPr>
+              <a:cxnSpLocks/>
+              <a:stCxn id="7" idx="2"/>
+              <a:endCxn id="9" idx="1"/>
+            </p:cNvCxnSpPr>
+            <p:nvPr/>
+          </p:nvCxnSpPr>
+          <p:spPr>
+            <a:xfrm rot="16200000" flipH="1">
+              <a:off x="4929407" y="3775057"/>
+              <a:ext cx="1219237" cy="234539"/>
+            </a:xfrm>
+            <a:prstGeom prst="bentConnector2">
+              <a:avLst/>
+            </a:prstGeom>
+            <a:ln>
+              <a:solidFill>
+                <a:srgbClr val="007435"/>
+              </a:solidFill>
+            </a:ln>
+          </p:spPr>
+          <p:style>
+            <a:lnRef idx="2">
+              <a:schemeClr val="accent1"/>
+            </a:lnRef>
+            <a:fillRef idx="0">
+              <a:schemeClr val="accent1"/>
+            </a:fillRef>
+            <a:effectRef idx="1">
+              <a:schemeClr val="accent1"/>
+            </a:effectRef>
+            <a:fontRef idx="minor">
+              <a:schemeClr val="tx1"/>
+            </a:fontRef>
+          </p:style>
+        </p:cxnSp>
+        <p:cxnSp>
+          <p:nvCxnSpPr>
+            <p:cNvPr id="15" name="Elbow Connector 14">
+              <a:extLst>
+                <a:ext uri="{FF2B5EF4-FFF2-40B4-BE49-F238E27FC236}">
+                  <a16:creationId xmlns:a16="http://schemas.microsoft.com/office/drawing/2014/main" id="{279D2057-550D-7B86-0BF0-F36E6823FFB2}"/>
+                </a:ext>
+              </a:extLst>
+            </p:cNvPr>
+            <p:cNvCxnSpPr>
+              <a:cxnSpLocks/>
+              <a:stCxn id="7" idx="2"/>
+              <a:endCxn id="30" idx="1"/>
+            </p:cNvCxnSpPr>
+            <p:nvPr/>
+          </p:nvCxnSpPr>
+          <p:spPr>
+            <a:xfrm rot="16200000" flipH="1">
+              <a:off x="4467072" y="4237392"/>
+              <a:ext cx="2375495" cy="466127"/>
+            </a:xfrm>
+            <a:prstGeom prst="bentConnector2">
+              <a:avLst/>
+            </a:prstGeom>
+            <a:ln>
+              <a:solidFill>
+                <a:srgbClr val="007435"/>
+              </a:solidFill>
+            </a:ln>
+          </p:spPr>
+          <p:style>
+            <a:lnRef idx="2">
+              <a:schemeClr val="accent1"/>
+            </a:lnRef>
+            <a:fillRef idx="0">
+              <a:schemeClr val="accent1"/>
+            </a:fillRef>
+            <a:effectRef idx="1">
+              <a:schemeClr val="accent1"/>
+            </a:effectRef>
+            <a:fontRef idx="minor">
+              <a:schemeClr val="tx1"/>
+            </a:fontRef>
+          </p:style>
+        </p:cxnSp>
+        <p:sp>
+          <p:nvSpPr>
+            <p:cNvPr id="23" name="TextBox 22">
+              <a:extLst>
+                <a:ext uri="{FF2B5EF4-FFF2-40B4-BE49-F238E27FC236}">
+                  <a16:creationId xmlns:a16="http://schemas.microsoft.com/office/drawing/2014/main" id="{A3875024-EF65-9B4F-575B-BF17B5CD9220}"/>
+                </a:ext>
+              </a:extLst>
+            </p:cNvPr>
+            <p:cNvSpPr txBox="1"/>
+            <p:nvPr/>
+          </p:nvSpPr>
+          <p:spPr>
+            <a:xfrm>
+              <a:off x="6663696" y="4786380"/>
+              <a:ext cx="1044592" cy="256819"/>
+            </a:xfrm>
+            <a:prstGeom prst="rect">
+              <a:avLst/>
+            </a:prstGeom>
+            <a:noFill/>
+          </p:spPr>
+          <p:txBody>
+            <a:bodyPr wrap="square" rtlCol="0">
+              <a:spAutoFit/>
+            </a:bodyPr>
+            <a:lstStyle/>
+            <a:p>
+              <a:pPr algn="ctr"/>
+              <a:r>
+                <a:rPr lang="fr-CH" dirty="0">
+                  <a:latin typeface="Calibri Light" panose="020F0302020204030204" pitchFamily="34" charset="0"/>
+                  <a:cs typeface="Calibri Light" panose="020F0302020204030204" pitchFamily="34" charset="0"/>
+                </a:rPr>
+                <a:t>Mapping</a:t>
+              </a:r>
+              <a:endParaRPr lang="en-CH" dirty="0">
+                <a:latin typeface="Calibri Light" panose="020F0302020204030204" pitchFamily="34" charset="0"/>
+                <a:cs typeface="Calibri Light" panose="020F0302020204030204" pitchFamily="34" charset="0"/>
+              </a:endParaRPr>
+            </a:p>
+          </p:txBody>
+        </p:sp>
+        <p:pic>
+          <p:nvPicPr>
+            <p:cNvPr id="25" name="Picture 24" descr="A green and black logo&#10;&#10;Description automatically generated">
+              <a:extLst>
+                <a:ext uri="{FF2B5EF4-FFF2-40B4-BE49-F238E27FC236}">
+                  <a16:creationId xmlns:a16="http://schemas.microsoft.com/office/drawing/2014/main" id="{FA415FE9-4583-1390-7F57-92AE31A185B8}"/>
+                </a:ext>
+              </a:extLst>
+            </p:cNvPr>
+            <p:cNvPicPr>
+              <a:picLocks noChangeAspect="1"/>
+            </p:cNvPicPr>
+            <p:nvPr/>
+          </p:nvPicPr>
+          <p:blipFill>
+            <a:blip r:embed="rId6"/>
+            <a:stretch>
+              <a:fillRect/>
+            </a:stretch>
+          </p:blipFill>
+          <p:spPr>
+            <a:xfrm>
+              <a:off x="5609242" y="3340737"/>
+              <a:ext cx="678488" cy="678488"/>
+            </a:xfrm>
+            <a:prstGeom prst="rect">
+              <a:avLst/>
+            </a:prstGeom>
+          </p:spPr>
+        </p:pic>
+        <p:cxnSp>
+          <p:nvCxnSpPr>
+            <p:cNvPr id="26" name="Elbow Connector 25">
+              <a:extLst>
+                <a:ext uri="{FF2B5EF4-FFF2-40B4-BE49-F238E27FC236}">
+                  <a16:creationId xmlns:a16="http://schemas.microsoft.com/office/drawing/2014/main" id="{FEE9CAFE-62EB-AA77-77C9-36134467AF6B}"/>
+                </a:ext>
+              </a:extLst>
+            </p:cNvPr>
+            <p:cNvCxnSpPr>
+              <a:cxnSpLocks/>
+              <a:stCxn id="7" idx="2"/>
+              <a:endCxn id="25" idx="1"/>
+            </p:cNvCxnSpPr>
+            <p:nvPr/>
+          </p:nvCxnSpPr>
+          <p:spPr>
+            <a:xfrm rot="16200000" flipH="1">
+              <a:off x="5316863" y="3387602"/>
+              <a:ext cx="397273" cy="187486"/>
+            </a:xfrm>
+            <a:prstGeom prst="bentConnector2">
+              <a:avLst/>
+            </a:prstGeom>
+            <a:ln>
+              <a:solidFill>
+                <a:srgbClr val="007435"/>
+              </a:solidFill>
+            </a:ln>
+          </p:spPr>
+          <p:style>
+            <a:lnRef idx="2">
+              <a:schemeClr val="accent1"/>
+            </a:lnRef>
+            <a:fillRef idx="0">
+              <a:schemeClr val="accent1"/>
+            </a:fillRef>
+            <a:effectRef idx="1">
+              <a:schemeClr val="accent1"/>
+            </a:effectRef>
+            <a:fontRef idx="minor">
+              <a:schemeClr val="tx1"/>
+            </a:fontRef>
+          </p:style>
+        </p:cxnSp>
+        <p:sp>
+          <p:nvSpPr>
+            <p:cNvPr id="29" name="TextBox 28">
+              <a:extLst>
+                <a:ext uri="{FF2B5EF4-FFF2-40B4-BE49-F238E27FC236}">
+                  <a16:creationId xmlns:a16="http://schemas.microsoft.com/office/drawing/2014/main" id="{754FB35E-C116-F75F-B5E4-4B7FA1DAD6DB}"/>
+                </a:ext>
+              </a:extLst>
+            </p:cNvPr>
+            <p:cNvSpPr txBox="1"/>
+            <p:nvPr/>
+          </p:nvSpPr>
+          <p:spPr>
+            <a:xfrm>
+              <a:off x="5440397" y="3929681"/>
+              <a:ext cx="1044592" cy="338554"/>
+            </a:xfrm>
+            <a:prstGeom prst="rect">
+              <a:avLst/>
+            </a:prstGeom>
+            <a:noFill/>
+          </p:spPr>
+          <p:txBody>
+            <a:bodyPr wrap="square" rtlCol="0">
+              <a:spAutoFit/>
+            </a:bodyPr>
+            <a:lstStyle/>
+            <a:p>
+              <a:pPr algn="ctr"/>
+              <a:r>
+                <a:rPr lang="fr-CH" sz="1600" dirty="0">
+                  <a:latin typeface="Calibri Light" panose="020F0302020204030204" pitchFamily="34" charset="0"/>
+                  <a:cs typeface="Calibri Light" panose="020F0302020204030204" pitchFamily="34" charset="0"/>
+                </a:rPr>
+                <a:t>Meta data</a:t>
+              </a:r>
+              <a:endParaRPr lang="en-CH" sz="1600" dirty="0">
+                <a:latin typeface="Calibri Light" panose="020F0302020204030204" pitchFamily="34" charset="0"/>
+                <a:cs typeface="Calibri Light" panose="020F0302020204030204" pitchFamily="34" charset="0"/>
+              </a:endParaRPr>
+            </a:p>
+          </p:txBody>
+        </p:sp>
+        <p:sp>
+          <p:nvSpPr>
+            <p:cNvPr id="30" name="TextBox 29">
+              <a:extLst>
+                <a:ext uri="{FF2B5EF4-FFF2-40B4-BE49-F238E27FC236}">
+                  <a16:creationId xmlns:a16="http://schemas.microsoft.com/office/drawing/2014/main" id="{ACE709B3-C032-1239-C943-4DDB48C0C578}"/>
+                </a:ext>
+              </a:extLst>
+            </p:cNvPr>
+            <p:cNvSpPr txBox="1"/>
+            <p:nvPr/>
+          </p:nvSpPr>
+          <p:spPr>
+            <a:xfrm>
+              <a:off x="5887883" y="5473538"/>
+              <a:ext cx="758714" cy="369332"/>
+            </a:xfrm>
+            <a:prstGeom prst="rect">
+              <a:avLst/>
+            </a:prstGeom>
+            <a:noFill/>
+          </p:spPr>
+          <p:txBody>
+            <a:bodyPr wrap="square" rtlCol="0">
+              <a:spAutoFit/>
+            </a:bodyPr>
+            <a:lstStyle/>
+            <a:p>
+              <a:pPr algn="ctr"/>
+              <a:r>
+                <a:rPr lang="fr-CH" dirty="0">
+                  <a:latin typeface="Calibri Light" panose="020F0302020204030204" pitchFamily="34" charset="0"/>
+                  <a:cs typeface="Calibri Light" panose="020F0302020204030204" pitchFamily="34" charset="0"/>
+                </a:rPr>
+                <a:t>2000</a:t>
+              </a:r>
+              <a:endParaRPr lang="en-CH" dirty="0">
+                <a:latin typeface="Calibri Light" panose="020F0302020204030204" pitchFamily="34" charset="0"/>
+                <a:cs typeface="Calibri Light" panose="020F0302020204030204" pitchFamily="34" charset="0"/>
+              </a:endParaRPr>
+            </a:p>
+          </p:txBody>
+        </p:sp>
+        <p:pic>
+          <p:nvPicPr>
+            <p:cNvPr id="35" name="Picture 34" descr="A green and black symbol&#10;&#10;Description automatically generated">
+              <a:extLst>
+                <a:ext uri="{FF2B5EF4-FFF2-40B4-BE49-F238E27FC236}">
+                  <a16:creationId xmlns:a16="http://schemas.microsoft.com/office/drawing/2014/main" id="{71570B89-AA14-4578-D961-412FD3241A0E}"/>
+                </a:ext>
+              </a:extLst>
+            </p:cNvPr>
+            <p:cNvPicPr>
+              <a:picLocks noChangeAspect="1"/>
+            </p:cNvPicPr>
+            <p:nvPr/>
+          </p:nvPicPr>
+          <p:blipFill>
+            <a:blip r:embed="rId7"/>
+            <a:stretch>
+              <a:fillRect/>
+            </a:stretch>
+          </p:blipFill>
+          <p:spPr>
+            <a:xfrm>
+              <a:off x="6729644" y="5367772"/>
+              <a:ext cx="470327" cy="470327"/>
+            </a:xfrm>
+            <a:prstGeom prst="rect">
+              <a:avLst/>
+            </a:prstGeom>
+          </p:spPr>
+        </p:pic>
+        <p:pic>
+          <p:nvPicPr>
+            <p:cNvPr id="37" name="Picture 36" descr="A green and black symbol&#10;&#10;Description automatically generated">
+              <a:extLst>
+                <a:ext uri="{FF2B5EF4-FFF2-40B4-BE49-F238E27FC236}">
+                  <a16:creationId xmlns:a16="http://schemas.microsoft.com/office/drawing/2014/main" id="{5C46318E-C4FD-6DD2-49B5-42EBB2ED89D4}"/>
+                </a:ext>
+              </a:extLst>
+            </p:cNvPr>
+            <p:cNvPicPr>
+              <a:picLocks noChangeAspect="1"/>
+            </p:cNvPicPr>
+            <p:nvPr/>
+          </p:nvPicPr>
+          <p:blipFill>
+            <a:blip r:embed="rId7"/>
+            <a:stretch>
+              <a:fillRect/>
+            </a:stretch>
+          </p:blipFill>
+          <p:spPr>
+            <a:xfrm>
+              <a:off x="7247307" y="5366784"/>
+              <a:ext cx="470327" cy="470327"/>
+            </a:xfrm>
+            <a:prstGeom prst="rect">
+              <a:avLst/>
+            </a:prstGeom>
+          </p:spPr>
+        </p:pic>
+        <p:sp>
+          <p:nvSpPr>
+            <p:cNvPr id="47" name="TextBox 46">
+              <a:extLst>
+                <a:ext uri="{FF2B5EF4-FFF2-40B4-BE49-F238E27FC236}">
+                  <a16:creationId xmlns:a16="http://schemas.microsoft.com/office/drawing/2014/main" id="{ECE0066F-66B6-70EA-DEC6-C9B6478E2D66}"/>
+                </a:ext>
+              </a:extLst>
+            </p:cNvPr>
+            <p:cNvSpPr txBox="1"/>
+            <p:nvPr/>
+          </p:nvSpPr>
+          <p:spPr>
+            <a:xfrm>
+              <a:off x="6850255" y="5728739"/>
+              <a:ext cx="229103" cy="369332"/>
+            </a:xfrm>
+            <a:prstGeom prst="rect">
+              <a:avLst/>
+            </a:prstGeom>
+            <a:noFill/>
+          </p:spPr>
+          <p:txBody>
+            <a:bodyPr wrap="square" rtlCol="0">
+              <a:spAutoFit/>
+            </a:bodyPr>
+            <a:lstStyle/>
+            <a:p>
+              <a:pPr algn="ctr"/>
+              <a:r>
+                <a:rPr lang="fr-CH" dirty="0">
+                  <a:latin typeface="Calibri Light" panose="020F0302020204030204" pitchFamily="34" charset="0"/>
+                  <a:cs typeface="Calibri Light" panose="020F0302020204030204" pitchFamily="34" charset="0"/>
+                </a:rPr>
+                <a:t>A</a:t>
+              </a:r>
+              <a:endParaRPr lang="en-CH" dirty="0">
+                <a:latin typeface="Calibri Light" panose="020F0302020204030204" pitchFamily="34" charset="0"/>
+                <a:cs typeface="Calibri Light" panose="020F0302020204030204" pitchFamily="34" charset="0"/>
+              </a:endParaRPr>
+            </a:p>
+          </p:txBody>
+        </p:sp>
+        <p:sp>
+          <p:nvSpPr>
+            <p:cNvPr id="55" name="TextBox 54">
+              <a:extLst>
+                <a:ext uri="{FF2B5EF4-FFF2-40B4-BE49-F238E27FC236}">
+                  <a16:creationId xmlns:a16="http://schemas.microsoft.com/office/drawing/2014/main" id="{AF52A696-0F4E-826B-44F6-C7B4248DC957}"/>
+                </a:ext>
+              </a:extLst>
+            </p:cNvPr>
+            <p:cNvSpPr txBox="1"/>
+            <p:nvPr/>
+          </p:nvSpPr>
+          <p:spPr>
+            <a:xfrm>
+              <a:off x="5887883" y="6143295"/>
+              <a:ext cx="758714" cy="369332"/>
+            </a:xfrm>
+            <a:prstGeom prst="rect">
+              <a:avLst/>
+            </a:prstGeom>
+            <a:noFill/>
+          </p:spPr>
+          <p:txBody>
+            <a:bodyPr wrap="square" rtlCol="0">
+              <a:spAutoFit/>
+            </a:bodyPr>
+            <a:lstStyle/>
+            <a:p>
+              <a:pPr algn="ctr"/>
+              <a:r>
+                <a:rPr lang="fr-CH" dirty="0">
+                  <a:latin typeface="Calibri Light" panose="020F0302020204030204" pitchFamily="34" charset="0"/>
+                  <a:cs typeface="Calibri Light" panose="020F0302020204030204" pitchFamily="34" charset="0"/>
+                </a:rPr>
+                <a:t>2100</a:t>
+              </a:r>
+              <a:endParaRPr lang="en-CH" dirty="0">
+                <a:latin typeface="Calibri Light" panose="020F0302020204030204" pitchFamily="34" charset="0"/>
+                <a:cs typeface="Calibri Light" panose="020F0302020204030204" pitchFamily="34" charset="0"/>
+              </a:endParaRPr>
+            </a:p>
+          </p:txBody>
+        </p:sp>
+        <p:pic>
+          <p:nvPicPr>
+            <p:cNvPr id="56" name="Picture 55" descr="A green and black symbol&#10;&#10;Description automatically generated">
+              <a:extLst>
+                <a:ext uri="{FF2B5EF4-FFF2-40B4-BE49-F238E27FC236}">
+                  <a16:creationId xmlns:a16="http://schemas.microsoft.com/office/drawing/2014/main" id="{18162E8C-BA9A-86E0-6049-6854FDA88720}"/>
+                </a:ext>
+              </a:extLst>
+            </p:cNvPr>
+            <p:cNvPicPr>
+              <a:picLocks noChangeAspect="1"/>
+            </p:cNvPicPr>
+            <p:nvPr/>
+          </p:nvPicPr>
+          <p:blipFill>
+            <a:blip r:embed="rId7"/>
+            <a:stretch>
+              <a:fillRect/>
+            </a:stretch>
+          </p:blipFill>
+          <p:spPr>
+            <a:xfrm>
+              <a:off x="6729644" y="6037529"/>
+              <a:ext cx="470327" cy="470327"/>
+            </a:xfrm>
+            <a:prstGeom prst="rect">
+              <a:avLst/>
+            </a:prstGeom>
+          </p:spPr>
+        </p:pic>
+        <p:pic>
+          <p:nvPicPr>
+            <p:cNvPr id="57" name="Picture 56" descr="A green and black symbol&#10;&#10;Description automatically generated">
+              <a:extLst>
+                <a:ext uri="{FF2B5EF4-FFF2-40B4-BE49-F238E27FC236}">
+                  <a16:creationId xmlns:a16="http://schemas.microsoft.com/office/drawing/2014/main" id="{3E3F2407-06FE-CF39-03D4-592A781BCD97}"/>
+                </a:ext>
+              </a:extLst>
+            </p:cNvPr>
+            <p:cNvPicPr>
+              <a:picLocks noChangeAspect="1"/>
+            </p:cNvPicPr>
+            <p:nvPr/>
+          </p:nvPicPr>
+          <p:blipFill>
+            <a:blip r:embed="rId7"/>
+            <a:stretch>
+              <a:fillRect/>
+            </a:stretch>
+          </p:blipFill>
+          <p:spPr>
+            <a:xfrm>
+              <a:off x="7247307" y="6036541"/>
+              <a:ext cx="470327" cy="470327"/>
+            </a:xfrm>
+            <a:prstGeom prst="rect">
+              <a:avLst/>
+            </a:prstGeom>
+          </p:spPr>
+        </p:pic>
+        <p:cxnSp>
+          <p:nvCxnSpPr>
+            <p:cNvPr id="64" name="Straight Connector 63">
+              <a:extLst>
+                <a:ext uri="{FF2B5EF4-FFF2-40B4-BE49-F238E27FC236}">
+                  <a16:creationId xmlns:a16="http://schemas.microsoft.com/office/drawing/2014/main" id="{023C8A64-B35A-6BAD-50B6-F415E08B79C2}"/>
+                </a:ext>
+              </a:extLst>
+            </p:cNvPr>
+            <p:cNvCxnSpPr/>
+            <p:nvPr/>
+          </p:nvCxnSpPr>
+          <p:spPr>
+            <a:xfrm>
+              <a:off x="6284809" y="5790365"/>
+              <a:ext cx="0" cy="357684"/>
+            </a:xfrm>
+            <a:prstGeom prst="line">
+              <a:avLst/>
+            </a:prstGeom>
+            <a:ln>
+              <a:solidFill>
+                <a:srgbClr val="007435"/>
+              </a:solidFill>
+              <a:prstDash val="dash"/>
+            </a:ln>
+          </p:spPr>
+          <p:style>
+            <a:lnRef idx="2">
+              <a:schemeClr val="accent1"/>
+            </a:lnRef>
+            <a:fillRef idx="0">
+              <a:schemeClr val="accent1"/>
+            </a:fillRef>
+            <a:effectRef idx="1">
+              <a:schemeClr val="accent1"/>
+            </a:effectRef>
+            <a:fontRef idx="minor">
+              <a:schemeClr val="tx1"/>
+            </a:fontRef>
+          </p:style>
+        </p:cxnSp>
+        <p:pic>
+          <p:nvPicPr>
+            <p:cNvPr id="1026" name="Picture 2" descr="Cauldron Solutions">
+              <a:extLst>
+                <a:ext uri="{FF2B5EF4-FFF2-40B4-BE49-F238E27FC236}">
+                  <a16:creationId xmlns:a16="http://schemas.microsoft.com/office/drawing/2014/main" id="{37928CD7-098E-92BA-E1D0-8CD6C243A79C}"/>
+                </a:ext>
+              </a:extLst>
+            </p:cNvPr>
+            <p:cNvPicPr>
+              <a:picLocks noChangeAspect="1" noChangeArrowheads="1"/>
+            </p:cNvPicPr>
+            <p:nvPr/>
+          </p:nvPicPr>
+          <p:blipFill>
+            <a:blip r:embed="rId8">
+              <a:extLst>
+                <a:ext uri="{28A0092B-C50C-407E-A947-70E740481C1C}">
+                  <a14:useLocalDpi xmlns:a14="http://schemas.microsoft.com/office/drawing/2010/main" val="0"/>
+                </a:ext>
+              </a:extLst>
+            </a:blip>
+            <a:srcRect/>
+            <a:stretch>
+              <a:fillRect/>
+            </a:stretch>
+          </p:blipFill>
+          <p:spPr bwMode="auto">
+            <a:xfrm>
+              <a:off x="8355306" y="5485190"/>
+              <a:ext cx="836166" cy="836166"/>
+            </a:xfrm>
+            <a:prstGeom prst="rect">
+              <a:avLst/>
+            </a:prstGeom>
+            <a:noFill/>
+            <a:extLst>
+              <a:ext uri="{909E8E84-426E-40DD-AFC4-6F175D3DCCD1}">
+                <a14:hiddenFill xmlns:a14="http://schemas.microsoft.com/office/drawing/2010/main">
+                  <a:solidFill>
+                    <a:srgbClr val="FFFFFF"/>
+                  </a:solidFill>
+                </a14:hiddenFill>
+              </a:ext>
+            </a:extLst>
+          </p:spPr>
+        </p:pic>
+        <p:cxnSp>
+          <p:nvCxnSpPr>
+            <p:cNvPr id="72" name="Straight Connector 71">
+              <a:extLst>
+                <a:ext uri="{FF2B5EF4-FFF2-40B4-BE49-F238E27FC236}">
+                  <a16:creationId xmlns:a16="http://schemas.microsoft.com/office/drawing/2014/main" id="{05B4B948-5C79-FAB6-0FAA-9979F773D8B5}"/>
+                </a:ext>
+              </a:extLst>
+            </p:cNvPr>
+            <p:cNvCxnSpPr>
+              <a:cxnSpLocks/>
+            </p:cNvCxnSpPr>
+            <p:nvPr/>
+          </p:nvCxnSpPr>
+          <p:spPr>
+            <a:xfrm flipH="1">
+              <a:off x="7826247" y="5990168"/>
+              <a:ext cx="410523" cy="0"/>
+            </a:xfrm>
+            <a:prstGeom prst="line">
+              <a:avLst/>
+            </a:prstGeom>
+            <a:ln>
+              <a:solidFill>
+                <a:srgbClr val="007435"/>
+              </a:solidFill>
+            </a:ln>
+          </p:spPr>
+          <p:style>
+            <a:lnRef idx="2">
+              <a:schemeClr val="accent1"/>
+            </a:lnRef>
+            <a:fillRef idx="0">
+              <a:schemeClr val="accent1"/>
+            </a:fillRef>
+            <a:effectRef idx="1">
+              <a:schemeClr val="accent1"/>
+            </a:effectRef>
+            <a:fontRef idx="minor">
+              <a:schemeClr val="tx1"/>
+            </a:fontRef>
+          </p:style>
+        </p:cxnSp>
+        <p:sp>
+          <p:nvSpPr>
+            <p:cNvPr id="73" name="Oval 72">
+              <a:extLst>
+                <a:ext uri="{FF2B5EF4-FFF2-40B4-BE49-F238E27FC236}">
+                  <a16:creationId xmlns:a16="http://schemas.microsoft.com/office/drawing/2014/main" id="{E325DFDE-C168-40A9-93EC-301AD5C65E4A}"/>
+                </a:ext>
+              </a:extLst>
+            </p:cNvPr>
+            <p:cNvSpPr/>
+            <p:nvPr/>
+          </p:nvSpPr>
+          <p:spPr>
+            <a:xfrm>
+              <a:off x="6186816" y="4174195"/>
+              <a:ext cx="198700" cy="198700"/>
+            </a:xfrm>
+            <a:prstGeom prst="ellipse">
+              <a:avLst/>
+            </a:prstGeom>
+            <a:noFill/>
+            <a:ln>
+              <a:solidFill>
+                <a:srgbClr val="007435"/>
+              </a:solidFill>
+            </a:ln>
+          </p:spPr>
+          <p:style>
+            <a:lnRef idx="2">
+              <a:schemeClr val="accent1">
+                <a:shade val="15000"/>
+              </a:schemeClr>
+            </a:lnRef>
+            <a:fillRef idx="1">
+              <a:schemeClr val="accent1"/>
+            </a:fillRef>
+            <a:effectRef idx="0">
+              <a:schemeClr val="accent1"/>
+            </a:effectRef>
+            <a:fontRef idx="minor">
+              <a:schemeClr val="lt1"/>
+            </a:fontRef>
+          </p:style>
+          <p:txBody>
+            <a:bodyPr rtlCol="0" anchor="ctr"/>
+            <a:lstStyle/>
+            <a:p>
+              <a:pPr algn="ctr"/>
+              <a:r>
+                <a:rPr lang="en-CH" sz="1600" dirty="0">
+                  <a:solidFill>
+                    <a:srgbClr val="007435"/>
+                  </a:solidFill>
+                </a:rPr>
+                <a:t>1</a:t>
+              </a:r>
+              <a:endParaRPr lang="en-CH" dirty="0">
+                <a:solidFill>
+                  <a:srgbClr val="007435"/>
+                </a:solidFill>
+              </a:endParaRPr>
+            </a:p>
+          </p:txBody>
+        </p:sp>
+        <p:sp>
+          <p:nvSpPr>
+            <p:cNvPr id="74" name="Oval 73">
+              <a:extLst>
+                <a:ext uri="{FF2B5EF4-FFF2-40B4-BE49-F238E27FC236}">
+                  <a16:creationId xmlns:a16="http://schemas.microsoft.com/office/drawing/2014/main" id="{519874BC-43C8-993B-EB69-B94E9D599B9F}"/>
+                </a:ext>
+              </a:extLst>
+            </p:cNvPr>
+            <p:cNvSpPr/>
+            <p:nvPr/>
+          </p:nvSpPr>
+          <p:spPr>
+            <a:xfrm>
+              <a:off x="7379925" y="4186635"/>
+              <a:ext cx="198700" cy="198700"/>
+            </a:xfrm>
+            <a:prstGeom prst="ellipse">
+              <a:avLst/>
+            </a:prstGeom>
+            <a:noFill/>
+            <a:ln>
+              <a:solidFill>
+                <a:srgbClr val="007435"/>
+              </a:solidFill>
+            </a:ln>
+          </p:spPr>
+          <p:style>
+            <a:lnRef idx="2">
+              <a:schemeClr val="accent1">
+                <a:shade val="15000"/>
+              </a:schemeClr>
+            </a:lnRef>
+            <a:fillRef idx="1">
+              <a:schemeClr val="accent1"/>
+            </a:fillRef>
+            <a:effectRef idx="0">
+              <a:schemeClr val="accent1"/>
+            </a:effectRef>
+            <a:fontRef idx="minor">
+              <a:schemeClr val="lt1"/>
+            </a:fontRef>
+          </p:style>
+          <p:txBody>
+            <a:bodyPr rtlCol="0" anchor="ctr"/>
+            <a:lstStyle/>
+            <a:p>
+              <a:pPr algn="ctr"/>
+              <a:r>
+                <a:rPr lang="en-CH" sz="1600" dirty="0">
+                  <a:solidFill>
+                    <a:srgbClr val="007435"/>
+                  </a:solidFill>
+                </a:rPr>
+                <a:t>2</a:t>
+              </a:r>
+              <a:endParaRPr lang="en-CH" dirty="0">
+                <a:solidFill>
+                  <a:srgbClr val="007435"/>
+                </a:solidFill>
+              </a:endParaRPr>
+            </a:p>
+          </p:txBody>
+        </p:sp>
+        <p:sp>
+          <p:nvSpPr>
+            <p:cNvPr id="75" name="Oval 74">
+              <a:extLst>
+                <a:ext uri="{FF2B5EF4-FFF2-40B4-BE49-F238E27FC236}">
+                  <a16:creationId xmlns:a16="http://schemas.microsoft.com/office/drawing/2014/main" id="{4C228E76-2686-2EFD-C972-A18A37E02789}"/>
+                </a:ext>
+              </a:extLst>
+            </p:cNvPr>
+            <p:cNvSpPr/>
+            <p:nvPr/>
+          </p:nvSpPr>
+          <p:spPr>
+            <a:xfrm>
+              <a:off x="9131791" y="5509842"/>
+              <a:ext cx="198700" cy="198700"/>
+            </a:xfrm>
+            <a:prstGeom prst="ellipse">
+              <a:avLst/>
+            </a:prstGeom>
+            <a:noFill/>
+            <a:ln>
+              <a:solidFill>
+                <a:srgbClr val="007435"/>
+              </a:solidFill>
+            </a:ln>
+          </p:spPr>
+          <p:style>
+            <a:lnRef idx="2">
+              <a:schemeClr val="accent1">
+                <a:shade val="15000"/>
+              </a:schemeClr>
+            </a:lnRef>
+            <a:fillRef idx="1">
+              <a:schemeClr val="accent1"/>
+            </a:fillRef>
+            <a:effectRef idx="0">
+              <a:schemeClr val="accent1"/>
+            </a:effectRef>
+            <a:fontRef idx="minor">
+              <a:schemeClr val="lt1"/>
+            </a:fontRef>
+          </p:style>
+          <p:txBody>
+            <a:bodyPr rtlCol="0" anchor="ctr"/>
+            <a:lstStyle/>
+            <a:p>
+              <a:pPr algn="ctr"/>
+              <a:r>
+                <a:rPr lang="en-CH" sz="1600" dirty="0">
+                  <a:solidFill>
+                    <a:srgbClr val="007435"/>
+                  </a:solidFill>
+                </a:rPr>
+                <a:t>4</a:t>
+              </a:r>
+              <a:endParaRPr lang="en-CH" dirty="0">
+                <a:solidFill>
+                  <a:srgbClr val="007435"/>
+                </a:solidFill>
+              </a:endParaRPr>
+            </a:p>
+          </p:txBody>
+        </p:sp>
+        <p:sp>
+          <p:nvSpPr>
+            <p:cNvPr id="76" name="Oval 75">
+              <a:extLst>
+                <a:ext uri="{FF2B5EF4-FFF2-40B4-BE49-F238E27FC236}">
+                  <a16:creationId xmlns:a16="http://schemas.microsoft.com/office/drawing/2014/main" id="{E6F530CE-163F-AB7C-AC9E-3AD61993DEBD}"/>
+                </a:ext>
+              </a:extLst>
+            </p:cNvPr>
+            <p:cNvSpPr/>
+            <p:nvPr/>
+          </p:nvSpPr>
+          <p:spPr>
+            <a:xfrm>
+              <a:off x="7695730" y="5301122"/>
+              <a:ext cx="198700" cy="198700"/>
+            </a:xfrm>
+            <a:prstGeom prst="ellipse">
+              <a:avLst/>
+            </a:prstGeom>
+            <a:noFill/>
+            <a:ln>
+              <a:solidFill>
+                <a:srgbClr val="007435"/>
+              </a:solidFill>
+            </a:ln>
+          </p:spPr>
+          <p:style>
+            <a:lnRef idx="2">
+              <a:schemeClr val="accent1">
+                <a:shade val="15000"/>
+              </a:schemeClr>
+            </a:lnRef>
+            <a:fillRef idx="1">
+              <a:schemeClr val="accent1"/>
+            </a:fillRef>
+            <a:effectRef idx="0">
+              <a:schemeClr val="accent1"/>
+            </a:effectRef>
+            <a:fontRef idx="minor">
+              <a:schemeClr val="lt1"/>
+            </a:fontRef>
+          </p:style>
+          <p:txBody>
+            <a:bodyPr rtlCol="0" anchor="ctr"/>
+            <a:lstStyle/>
+            <a:p>
+              <a:pPr algn="ctr"/>
+              <a:r>
+                <a:rPr lang="en-CH" sz="1600" dirty="0">
+                  <a:solidFill>
+                    <a:srgbClr val="007435"/>
+                  </a:solidFill>
+                </a:rPr>
+                <a:t>3</a:t>
+              </a:r>
+              <a:endParaRPr lang="en-CH" dirty="0">
+                <a:solidFill>
+                  <a:srgbClr val="007435"/>
+                </a:solidFill>
+              </a:endParaRPr>
+            </a:p>
+          </p:txBody>
+        </p:sp>
+        <p:pic>
+          <p:nvPicPr>
+            <p:cNvPr id="78" name="Picture 77" descr="A green gears with arrows&#10;&#10;Description automatically generated">
+              <a:extLst>
+                <a:ext uri="{FF2B5EF4-FFF2-40B4-BE49-F238E27FC236}">
+                  <a16:creationId xmlns:a16="http://schemas.microsoft.com/office/drawing/2014/main" id="{108E3DDB-A392-8B93-5BB0-91D0E9CF323A}"/>
+                </a:ext>
+              </a:extLst>
+            </p:cNvPr>
+            <p:cNvPicPr>
+              <a:picLocks noChangeAspect="1"/>
+            </p:cNvPicPr>
+            <p:nvPr/>
+          </p:nvPicPr>
+          <p:blipFill>
+            <a:blip r:embed="rId9"/>
+            <a:stretch>
+              <a:fillRect/>
+            </a:stretch>
+          </p:blipFill>
+          <p:spPr>
+            <a:xfrm>
+              <a:off x="9650500" y="5627123"/>
+              <a:ext cx="603733" cy="603733"/>
+            </a:xfrm>
+            <a:prstGeom prst="rect">
+              <a:avLst/>
+            </a:prstGeom>
+          </p:spPr>
+        </p:pic>
+        <p:sp>
+          <p:nvSpPr>
+            <p:cNvPr id="83" name="Oval 82">
+              <a:extLst>
+                <a:ext uri="{FF2B5EF4-FFF2-40B4-BE49-F238E27FC236}">
+                  <a16:creationId xmlns:a16="http://schemas.microsoft.com/office/drawing/2014/main" id="{475C0B28-119A-2488-4EC7-B4D4B9FB4EDC}"/>
+                </a:ext>
+              </a:extLst>
+            </p:cNvPr>
+            <p:cNvSpPr/>
+            <p:nvPr/>
+          </p:nvSpPr>
+          <p:spPr>
+            <a:xfrm>
+              <a:off x="10172253" y="5509837"/>
+              <a:ext cx="198700" cy="198700"/>
+            </a:xfrm>
+            <a:prstGeom prst="ellipse">
+              <a:avLst/>
+            </a:prstGeom>
+            <a:noFill/>
+            <a:ln>
+              <a:solidFill>
+                <a:srgbClr val="007435"/>
+              </a:solidFill>
+            </a:ln>
+          </p:spPr>
+          <p:style>
+            <a:lnRef idx="2">
+              <a:schemeClr val="accent1">
+                <a:shade val="15000"/>
+              </a:schemeClr>
+            </a:lnRef>
+            <a:fillRef idx="1">
+              <a:schemeClr val="accent1"/>
+            </a:fillRef>
+            <a:effectRef idx="0">
+              <a:schemeClr val="accent1"/>
+            </a:effectRef>
+            <a:fontRef idx="minor">
+              <a:schemeClr val="lt1"/>
+            </a:fontRef>
+          </p:style>
+          <p:txBody>
+            <a:bodyPr rtlCol="0" anchor="ctr"/>
+            <a:lstStyle/>
+            <a:p>
+              <a:pPr algn="ctr"/>
+              <a:r>
+                <a:rPr lang="en-CH" sz="1600" dirty="0">
+                  <a:solidFill>
+                    <a:srgbClr val="007435"/>
+                  </a:solidFill>
+                </a:rPr>
+                <a:t>5</a:t>
+              </a:r>
+              <a:endParaRPr lang="en-CH" dirty="0">
+                <a:solidFill>
+                  <a:srgbClr val="007435"/>
+                </a:solidFill>
+              </a:endParaRPr>
+            </a:p>
+          </p:txBody>
+        </p:sp>
+        <p:cxnSp>
+          <p:nvCxnSpPr>
+            <p:cNvPr id="89" name="Straight Connector 88">
+              <a:extLst>
+                <a:ext uri="{FF2B5EF4-FFF2-40B4-BE49-F238E27FC236}">
+                  <a16:creationId xmlns:a16="http://schemas.microsoft.com/office/drawing/2014/main" id="{16138DCA-0156-F307-0165-86A9EE2D37FE}"/>
+                </a:ext>
+              </a:extLst>
+            </p:cNvPr>
+            <p:cNvCxnSpPr>
+              <a:cxnSpLocks/>
+            </p:cNvCxnSpPr>
+            <p:nvPr/>
+          </p:nvCxnSpPr>
+          <p:spPr>
+            <a:xfrm flipH="1">
+              <a:off x="6410060" y="4516178"/>
+              <a:ext cx="319584" cy="0"/>
+            </a:xfrm>
+            <a:prstGeom prst="line">
+              <a:avLst/>
+            </a:prstGeom>
+            <a:ln>
+              <a:solidFill>
+                <a:srgbClr val="007435"/>
+              </a:solidFill>
+            </a:ln>
+          </p:spPr>
+          <p:style>
+            <a:lnRef idx="2">
+              <a:schemeClr val="accent1"/>
+            </a:lnRef>
+            <a:fillRef idx="0">
+              <a:schemeClr val="accent1"/>
+            </a:fillRef>
+            <a:effectRef idx="1">
+              <a:schemeClr val="accent1"/>
+            </a:effectRef>
+            <a:fontRef idx="minor">
+              <a:schemeClr val="tx1"/>
+            </a:fontRef>
+          </p:style>
+        </p:cxnSp>
+        <p:cxnSp>
+          <p:nvCxnSpPr>
+            <p:cNvPr id="91" name="Straight Connector 90">
+              <a:extLst>
+                <a:ext uri="{FF2B5EF4-FFF2-40B4-BE49-F238E27FC236}">
+                  <a16:creationId xmlns:a16="http://schemas.microsoft.com/office/drawing/2014/main" id="{ACE742D4-2752-A77E-DAE1-5FB9C0685106}"/>
+                </a:ext>
+              </a:extLst>
+            </p:cNvPr>
+            <p:cNvCxnSpPr>
+              <a:cxnSpLocks/>
+            </p:cNvCxnSpPr>
+            <p:nvPr/>
+          </p:nvCxnSpPr>
+          <p:spPr>
+            <a:xfrm flipV="1">
+              <a:off x="7186424" y="5064322"/>
+              <a:ext cx="0" cy="236800"/>
+            </a:xfrm>
+            <a:prstGeom prst="line">
+              <a:avLst/>
+            </a:prstGeom>
+            <a:ln>
+              <a:solidFill>
+                <a:srgbClr val="007435"/>
+              </a:solidFill>
+            </a:ln>
+          </p:spPr>
+          <p:style>
+            <a:lnRef idx="2">
+              <a:schemeClr val="accent1"/>
+            </a:lnRef>
+            <a:fillRef idx="0">
+              <a:schemeClr val="accent1"/>
+            </a:fillRef>
+            <a:effectRef idx="1">
+              <a:schemeClr val="accent1"/>
+            </a:effectRef>
+            <a:fontRef idx="minor">
+              <a:schemeClr val="tx1"/>
+            </a:fontRef>
+          </p:style>
+        </p:cxnSp>
+        <p:cxnSp>
+          <p:nvCxnSpPr>
+            <p:cNvPr id="94" name="Straight Connector 93">
+              <a:extLst>
+                <a:ext uri="{FF2B5EF4-FFF2-40B4-BE49-F238E27FC236}">
+                  <a16:creationId xmlns:a16="http://schemas.microsoft.com/office/drawing/2014/main" id="{046779CD-92FA-4AC1-8307-6FC094F0D266}"/>
+                </a:ext>
+              </a:extLst>
+            </p:cNvPr>
+            <p:cNvCxnSpPr>
+              <a:cxnSpLocks/>
+            </p:cNvCxnSpPr>
+            <p:nvPr/>
+          </p:nvCxnSpPr>
+          <p:spPr>
+            <a:xfrm rot="5400000">
+              <a:off x="9454570" y="5903274"/>
+              <a:ext cx="0" cy="173786"/>
+            </a:xfrm>
+            <a:prstGeom prst="line">
+              <a:avLst/>
+            </a:prstGeom>
+            <a:ln>
+              <a:solidFill>
+                <a:srgbClr val="007435"/>
+              </a:solidFill>
+            </a:ln>
+          </p:spPr>
+          <p:style>
+            <a:lnRef idx="2">
+              <a:schemeClr val="accent1"/>
+            </a:lnRef>
+            <a:fillRef idx="0">
+              <a:schemeClr val="accent1"/>
+            </a:fillRef>
+            <a:effectRef idx="1">
+              <a:schemeClr val="accent1"/>
+            </a:effectRef>
+            <a:fontRef idx="minor">
+              <a:schemeClr val="tx1"/>
+            </a:fontRef>
+          </p:style>
+        </p:cxnSp>
+        <p:sp>
+          <p:nvSpPr>
+            <p:cNvPr id="96" name="Rectangle 95">
+              <a:extLst>
+                <a:ext uri="{FF2B5EF4-FFF2-40B4-BE49-F238E27FC236}">
+                  <a16:creationId xmlns:a16="http://schemas.microsoft.com/office/drawing/2014/main" id="{AB15D6F5-A72C-2043-2147-0CD485524495}"/>
+                </a:ext>
+              </a:extLst>
+            </p:cNvPr>
+            <p:cNvSpPr/>
+            <p:nvPr/>
+          </p:nvSpPr>
+          <p:spPr>
+            <a:xfrm>
+              <a:off x="4818413" y="2438831"/>
+              <a:ext cx="3198462" cy="4209152"/>
+            </a:xfrm>
+            <a:prstGeom prst="rect">
+              <a:avLst/>
+            </a:prstGeom>
+            <a:noFill/>
+            <a:ln>
+              <a:solidFill>
+                <a:srgbClr val="007435"/>
+              </a:solidFill>
+              <a:prstDash val="dash"/>
+            </a:ln>
+          </p:spPr>
+          <p:style>
+            <a:lnRef idx="2">
+              <a:schemeClr val="accent1">
+                <a:shade val="15000"/>
+              </a:schemeClr>
+            </a:lnRef>
+            <a:fillRef idx="1">
+              <a:schemeClr val="accent1"/>
+            </a:fillRef>
+            <a:effectRef idx="0">
+              <a:schemeClr val="accent1"/>
+            </a:effectRef>
+            <a:fontRef idx="minor">
+              <a:schemeClr val="lt1"/>
+            </a:fontRef>
+          </p:style>
+          <p:txBody>
+            <a:bodyPr rtlCol="0" anchor="ctr"/>
+            <a:lstStyle/>
+            <a:p>
+              <a:pPr algn="ctr"/>
+              <a:endParaRPr lang="en-CH"/>
+            </a:p>
+          </p:txBody>
+        </p:sp>
+        <p:sp>
+          <p:nvSpPr>
+            <p:cNvPr id="21" name="TextBox 20">
+              <a:extLst>
+                <a:ext uri="{FF2B5EF4-FFF2-40B4-BE49-F238E27FC236}">
+                  <a16:creationId xmlns:a16="http://schemas.microsoft.com/office/drawing/2014/main" id="{2E4CCB19-34BC-4FEC-BB75-98D9D739CE1D}"/>
+                </a:ext>
+              </a:extLst>
+            </p:cNvPr>
+            <p:cNvSpPr txBox="1"/>
+            <p:nvPr/>
+          </p:nvSpPr>
+          <p:spPr>
+            <a:xfrm>
+              <a:off x="4914599" y="2266878"/>
+              <a:ext cx="1511630" cy="369332"/>
+            </a:xfrm>
+            <a:prstGeom prst="rect">
+              <a:avLst/>
+            </a:prstGeom>
+            <a:solidFill>
+              <a:schemeClr val="bg1"/>
+            </a:solidFill>
+          </p:spPr>
+          <p:txBody>
+            <a:bodyPr wrap="square" rtlCol="0">
+              <a:spAutoFit/>
+            </a:bodyPr>
+            <a:lstStyle/>
+            <a:p>
+              <a:r>
+                <a:rPr lang="en-GB" dirty="0">
+                  <a:latin typeface="Calibri Light" panose="020F0302020204030204" pitchFamily="34" charset="0"/>
+                  <a:cs typeface="Calibri Light" panose="020F0302020204030204" pitchFamily="34" charset="0"/>
+                </a:rPr>
+                <a:t>D</a:t>
+              </a:r>
+              <a:r>
+                <a:rPr lang="en-CH" dirty="0">
+                  <a:latin typeface="Calibri Light" panose="020F0302020204030204" pitchFamily="34" charset="0"/>
+                  <a:cs typeface="Calibri Light" panose="020F0302020204030204" pitchFamily="34" charset="0"/>
+                </a:rPr>
+                <a:t>ata package</a:t>
+              </a:r>
+            </a:p>
+          </p:txBody>
+        </p:sp>
+        <p:cxnSp>
+          <p:nvCxnSpPr>
+            <p:cNvPr id="97" name="Straight Connector 96">
+              <a:extLst>
+                <a:ext uri="{FF2B5EF4-FFF2-40B4-BE49-F238E27FC236}">
+                  <a16:creationId xmlns:a16="http://schemas.microsoft.com/office/drawing/2014/main" id="{0BFB1D74-0618-4694-DF98-3142AAD01DE5}"/>
+                </a:ext>
+              </a:extLst>
+            </p:cNvPr>
+            <p:cNvCxnSpPr>
+              <a:cxnSpLocks/>
+            </p:cNvCxnSpPr>
+            <p:nvPr/>
+          </p:nvCxnSpPr>
+          <p:spPr>
+            <a:xfrm flipH="1">
+              <a:off x="10400457" y="5990168"/>
+              <a:ext cx="236844" cy="0"/>
+            </a:xfrm>
+            <a:prstGeom prst="line">
+              <a:avLst/>
+            </a:prstGeom>
+            <a:ln>
+              <a:solidFill>
+                <a:srgbClr val="007435"/>
+              </a:solidFill>
+            </a:ln>
+          </p:spPr>
+          <p:style>
+            <a:lnRef idx="2">
+              <a:schemeClr val="accent1"/>
+            </a:lnRef>
+            <a:fillRef idx="0">
+              <a:schemeClr val="accent1"/>
+            </a:fillRef>
+            <a:effectRef idx="1">
+              <a:schemeClr val="accent1"/>
+            </a:effectRef>
+            <a:fontRef idx="minor">
+              <a:schemeClr val="tx1"/>
+            </a:fontRef>
+          </p:style>
+        </p:cxnSp>
+        <p:pic>
+          <p:nvPicPr>
+            <p:cNvPr id="100" name="Picture 99" descr="A grid of squares on a black background&#10;&#10;Description automatically generated">
+              <a:extLst>
+                <a:ext uri="{FF2B5EF4-FFF2-40B4-BE49-F238E27FC236}">
+                  <a16:creationId xmlns:a16="http://schemas.microsoft.com/office/drawing/2014/main" id="{4E5B5CDB-E148-AFB9-9243-CD6B9ABE1832}"/>
+                </a:ext>
+              </a:extLst>
+            </p:cNvPr>
+            <p:cNvPicPr>
+              <a:picLocks noChangeAspect="1"/>
+            </p:cNvPicPr>
+            <p:nvPr/>
+          </p:nvPicPr>
+          <p:blipFill>
+            <a:blip r:embed="rId10"/>
+            <a:stretch>
+              <a:fillRect/>
+            </a:stretch>
+          </p:blipFill>
+          <p:spPr>
+            <a:xfrm>
+              <a:off x="10729791" y="5518996"/>
+              <a:ext cx="819986" cy="819986"/>
+            </a:xfrm>
+            <a:prstGeom prst="rect">
+              <a:avLst/>
+            </a:prstGeom>
+          </p:spPr>
+        </p:pic>
+        <p:sp>
+          <p:nvSpPr>
+            <p:cNvPr id="101" name="Oval 100">
+              <a:extLst>
+                <a:ext uri="{FF2B5EF4-FFF2-40B4-BE49-F238E27FC236}">
+                  <a16:creationId xmlns:a16="http://schemas.microsoft.com/office/drawing/2014/main" id="{002CEA36-E274-6E2F-095E-4502CD1977D6}"/>
+                </a:ext>
+              </a:extLst>
+            </p:cNvPr>
+            <p:cNvSpPr/>
+            <p:nvPr/>
+          </p:nvSpPr>
+          <p:spPr>
+            <a:xfrm>
+              <a:off x="11563415" y="5509837"/>
+              <a:ext cx="198700" cy="198700"/>
+            </a:xfrm>
+            <a:prstGeom prst="ellipse">
+              <a:avLst/>
+            </a:prstGeom>
+            <a:noFill/>
+            <a:ln>
+              <a:solidFill>
+                <a:srgbClr val="007435"/>
+              </a:solidFill>
+            </a:ln>
+          </p:spPr>
+          <p:style>
+            <a:lnRef idx="2">
+              <a:schemeClr val="accent1">
+                <a:shade val="15000"/>
+              </a:schemeClr>
+            </a:lnRef>
+            <a:fillRef idx="1">
+              <a:schemeClr val="accent1"/>
+            </a:fillRef>
+            <a:effectRef idx="0">
+              <a:schemeClr val="accent1"/>
+            </a:effectRef>
+            <a:fontRef idx="minor">
+              <a:schemeClr val="lt1"/>
+            </a:fontRef>
+          </p:style>
+          <p:txBody>
+            <a:bodyPr rtlCol="0" anchor="ctr"/>
+            <a:lstStyle/>
+            <a:p>
+              <a:pPr algn="ctr"/>
+              <a:r>
+                <a:rPr lang="en-CH" sz="1600" dirty="0">
+                  <a:solidFill>
+                    <a:srgbClr val="007435"/>
+                  </a:solidFill>
+                </a:rPr>
+                <a:t>6</a:t>
+              </a:r>
+              <a:endParaRPr lang="en-CH" dirty="0">
+                <a:solidFill>
+                  <a:srgbClr val="007435"/>
+                </a:solidFill>
+              </a:endParaRPr>
+            </a:p>
+          </p:txBody>
+        </p:sp>
+        <p:sp>
+          <p:nvSpPr>
+            <p:cNvPr id="8" name="TextBox 7">
+              <a:extLst>
+                <a:ext uri="{FF2B5EF4-FFF2-40B4-BE49-F238E27FC236}">
+                  <a16:creationId xmlns:a16="http://schemas.microsoft.com/office/drawing/2014/main" id="{343A80E8-E285-DD60-C0C2-6E1DD58B7231}"/>
+                </a:ext>
+              </a:extLst>
+            </p:cNvPr>
+            <p:cNvSpPr txBox="1"/>
+            <p:nvPr/>
+          </p:nvSpPr>
+          <p:spPr>
+            <a:xfrm>
+              <a:off x="7370829" y="5728739"/>
+              <a:ext cx="229103" cy="369332"/>
+            </a:xfrm>
+            <a:prstGeom prst="rect">
+              <a:avLst/>
+            </a:prstGeom>
+            <a:noFill/>
+          </p:spPr>
+          <p:txBody>
+            <a:bodyPr wrap="square" rtlCol="0">
+              <a:spAutoFit/>
+            </a:bodyPr>
+            <a:lstStyle/>
+            <a:p>
+              <a:pPr algn="ctr"/>
+              <a:r>
+                <a:rPr lang="fr-CH" dirty="0">
+                  <a:latin typeface="Calibri Light" panose="020F0302020204030204" pitchFamily="34" charset="0"/>
+                  <a:cs typeface="Calibri Light" panose="020F0302020204030204" pitchFamily="34" charset="0"/>
+                </a:rPr>
+                <a:t>B</a:t>
+              </a:r>
+              <a:endParaRPr lang="en-CH" dirty="0">
+                <a:latin typeface="Calibri Light" panose="020F0302020204030204" pitchFamily="34" charset="0"/>
+                <a:cs typeface="Calibri Light" panose="020F0302020204030204" pitchFamily="34" charset="0"/>
+              </a:endParaRPr>
+            </a:p>
+          </p:txBody>
+        </p:sp>
+        <p:sp>
+          <p:nvSpPr>
+            <p:cNvPr id="10" name="TextBox 9">
+              <a:extLst>
+                <a:ext uri="{FF2B5EF4-FFF2-40B4-BE49-F238E27FC236}">
+                  <a16:creationId xmlns:a16="http://schemas.microsoft.com/office/drawing/2014/main" id="{B8DF36F0-7E9A-2908-FA16-57BCC1C64323}"/>
+                </a:ext>
+              </a:extLst>
+            </p:cNvPr>
+            <p:cNvSpPr txBox="1"/>
+            <p:nvPr/>
+          </p:nvSpPr>
+          <p:spPr>
+            <a:xfrm>
+              <a:off x="6850255" y="6385115"/>
+              <a:ext cx="229103" cy="369332"/>
+            </a:xfrm>
+            <a:prstGeom prst="rect">
+              <a:avLst/>
+            </a:prstGeom>
+            <a:noFill/>
+          </p:spPr>
+          <p:txBody>
+            <a:bodyPr wrap="square" rtlCol="0">
+              <a:spAutoFit/>
+            </a:bodyPr>
+            <a:lstStyle/>
+            <a:p>
+              <a:pPr algn="ctr"/>
+              <a:r>
+                <a:rPr lang="fr-CH" dirty="0">
+                  <a:latin typeface="Calibri Light" panose="020F0302020204030204" pitchFamily="34" charset="0"/>
+                  <a:cs typeface="Calibri Light" panose="020F0302020204030204" pitchFamily="34" charset="0"/>
+                </a:rPr>
+                <a:t>A</a:t>
+              </a:r>
+              <a:endParaRPr lang="en-CH" dirty="0">
+                <a:latin typeface="Calibri Light" panose="020F0302020204030204" pitchFamily="34" charset="0"/>
+                <a:cs typeface="Calibri Light" panose="020F0302020204030204" pitchFamily="34" charset="0"/>
+              </a:endParaRPr>
+            </a:p>
+          </p:txBody>
+        </p:sp>
+        <p:sp>
+          <p:nvSpPr>
+            <p:cNvPr id="12" name="TextBox 11">
+              <a:extLst>
+                <a:ext uri="{FF2B5EF4-FFF2-40B4-BE49-F238E27FC236}">
+                  <a16:creationId xmlns:a16="http://schemas.microsoft.com/office/drawing/2014/main" id="{FFA93058-E923-BC36-1475-45E8B5EB0BD6}"/>
+                </a:ext>
+              </a:extLst>
+            </p:cNvPr>
+            <p:cNvSpPr txBox="1"/>
+            <p:nvPr/>
+          </p:nvSpPr>
+          <p:spPr>
+            <a:xfrm>
+              <a:off x="7370829" y="6385115"/>
+              <a:ext cx="229103" cy="369332"/>
+            </a:xfrm>
+            <a:prstGeom prst="rect">
+              <a:avLst/>
+            </a:prstGeom>
+            <a:noFill/>
+          </p:spPr>
+          <p:txBody>
+            <a:bodyPr wrap="square" rtlCol="0">
+              <a:spAutoFit/>
+            </a:bodyPr>
+            <a:lstStyle/>
+            <a:p>
+              <a:pPr algn="ctr"/>
+              <a:r>
+                <a:rPr lang="fr-CH" dirty="0">
+                  <a:latin typeface="Calibri Light" panose="020F0302020204030204" pitchFamily="34" charset="0"/>
+                  <a:cs typeface="Calibri Light" panose="020F0302020204030204" pitchFamily="34" charset="0"/>
+                </a:rPr>
+                <a:t>B</a:t>
+              </a:r>
+              <a:endParaRPr lang="en-CH" dirty="0">
+                <a:latin typeface="Calibri Light" panose="020F0302020204030204" pitchFamily="34" charset="0"/>
+                <a:cs typeface="Calibri Light" panose="020F0302020204030204" pitchFamily="34" charset="0"/>
+              </a:endParaRPr>
+            </a:p>
+          </p:txBody>
+        </p:sp>
+        <p:cxnSp>
+          <p:nvCxnSpPr>
+            <p:cNvPr id="17" name="Straight Connector 16">
+              <a:extLst>
+                <a:ext uri="{FF2B5EF4-FFF2-40B4-BE49-F238E27FC236}">
+                  <a16:creationId xmlns:a16="http://schemas.microsoft.com/office/drawing/2014/main" id="{AC4B1AC9-5668-E8C9-8F5D-8B8B2D5F57BC}"/>
+                </a:ext>
+              </a:extLst>
+            </p:cNvPr>
+            <p:cNvCxnSpPr>
+              <a:cxnSpLocks/>
+            </p:cNvCxnSpPr>
+            <p:nvPr/>
+          </p:nvCxnSpPr>
+          <p:spPr>
+            <a:xfrm flipH="1">
+              <a:off x="6523022" y="5670282"/>
+              <a:ext cx="206622" cy="0"/>
+            </a:xfrm>
+            <a:prstGeom prst="line">
+              <a:avLst/>
+            </a:prstGeom>
+            <a:ln>
+              <a:solidFill>
+                <a:srgbClr val="007435"/>
+              </a:solidFill>
+            </a:ln>
+          </p:spPr>
+          <p:style>
+            <a:lnRef idx="2">
+              <a:schemeClr val="accent1"/>
+            </a:lnRef>
+            <a:fillRef idx="0">
+              <a:schemeClr val="accent1"/>
+            </a:fillRef>
+            <a:effectRef idx="1">
+              <a:schemeClr val="accent1"/>
+            </a:effectRef>
+            <a:fontRef idx="minor">
+              <a:schemeClr val="tx1"/>
+            </a:fontRef>
+          </p:style>
+        </p:cxnSp>
+        <p:cxnSp>
+          <p:nvCxnSpPr>
+            <p:cNvPr id="19" name="Straight Connector 18">
+              <a:extLst>
+                <a:ext uri="{FF2B5EF4-FFF2-40B4-BE49-F238E27FC236}">
+                  <a16:creationId xmlns:a16="http://schemas.microsoft.com/office/drawing/2014/main" id="{54153733-3197-F33F-7250-D9DC6FD28B5F}"/>
+                </a:ext>
+              </a:extLst>
+            </p:cNvPr>
+            <p:cNvCxnSpPr>
+              <a:cxnSpLocks/>
+            </p:cNvCxnSpPr>
+            <p:nvPr/>
+          </p:nvCxnSpPr>
+          <p:spPr>
+            <a:xfrm flipH="1">
+              <a:off x="6523022" y="6321356"/>
+              <a:ext cx="206622" cy="0"/>
+            </a:xfrm>
+            <a:prstGeom prst="line">
+              <a:avLst/>
+            </a:prstGeom>
+            <a:ln>
+              <a:solidFill>
+                <a:srgbClr val="007435"/>
+              </a:solidFill>
+            </a:ln>
+          </p:spPr>
+          <p:style>
+            <a:lnRef idx="2">
+              <a:schemeClr val="accent1"/>
+            </a:lnRef>
+            <a:fillRef idx="0">
+              <a:schemeClr val="accent1"/>
+            </a:fillRef>
+            <a:effectRef idx="1">
+              <a:schemeClr val="accent1"/>
+            </a:effectRef>
+            <a:fontRef idx="minor">
+              <a:schemeClr val="tx1"/>
+            </a:fontRef>
+          </p:style>
+        </p:cxnSp>
+        <p:sp>
+          <p:nvSpPr>
+            <p:cNvPr id="20" name="Rectangle 19">
+              <a:extLst>
+                <a:ext uri="{FF2B5EF4-FFF2-40B4-BE49-F238E27FC236}">
+                  <a16:creationId xmlns:a16="http://schemas.microsoft.com/office/drawing/2014/main" id="{5B2285D7-A3CD-822E-18BF-4B47D1F67D43}"/>
+                </a:ext>
+              </a:extLst>
+            </p:cNvPr>
+            <p:cNvSpPr/>
+            <p:nvPr/>
+          </p:nvSpPr>
+          <p:spPr>
+            <a:xfrm>
+              <a:off x="1394750" y="2438831"/>
+              <a:ext cx="3198462" cy="4209152"/>
+            </a:xfrm>
+            <a:prstGeom prst="rect">
+              <a:avLst/>
+            </a:prstGeom>
+            <a:noFill/>
+            <a:ln>
+              <a:solidFill>
+                <a:srgbClr val="007435"/>
+              </a:solidFill>
+              <a:prstDash val="dash"/>
+            </a:ln>
+          </p:spPr>
+          <p:style>
+            <a:lnRef idx="2">
+              <a:schemeClr val="accent1">
+                <a:shade val="15000"/>
+              </a:schemeClr>
+            </a:lnRef>
+            <a:fillRef idx="1">
+              <a:schemeClr val="accent1"/>
+            </a:fillRef>
+            <a:effectRef idx="0">
+              <a:schemeClr val="accent1"/>
+            </a:effectRef>
+            <a:fontRef idx="minor">
+              <a:schemeClr val="lt1"/>
+            </a:fontRef>
+          </p:style>
+          <p:txBody>
+            <a:bodyPr rtlCol="0" anchor="ctr"/>
+            <a:lstStyle/>
+            <a:p>
+              <a:pPr algn="ctr"/>
+              <a:endParaRPr lang="en-CH"/>
+            </a:p>
+          </p:txBody>
+        </p:sp>
+        <p:sp>
+          <p:nvSpPr>
+            <p:cNvPr id="24" name="TextBox 23">
+              <a:extLst>
+                <a:ext uri="{FF2B5EF4-FFF2-40B4-BE49-F238E27FC236}">
+                  <a16:creationId xmlns:a16="http://schemas.microsoft.com/office/drawing/2014/main" id="{309C842C-5723-33E8-A54C-51E994D846F7}"/>
+                </a:ext>
+              </a:extLst>
+            </p:cNvPr>
+            <p:cNvSpPr txBox="1"/>
+            <p:nvPr/>
+          </p:nvSpPr>
+          <p:spPr>
+            <a:xfrm>
+              <a:off x="1490936" y="2266878"/>
+              <a:ext cx="1511630" cy="369332"/>
+            </a:xfrm>
+            <a:prstGeom prst="rect">
+              <a:avLst/>
+            </a:prstGeom>
+            <a:solidFill>
+              <a:schemeClr val="bg1"/>
+            </a:solidFill>
+          </p:spPr>
+          <p:txBody>
+            <a:bodyPr wrap="square" rtlCol="0">
+              <a:spAutoFit/>
+            </a:bodyPr>
+            <a:lstStyle/>
+            <a:p>
+              <a:r>
+                <a:rPr lang="en-GB" dirty="0">
+                  <a:latin typeface="Calibri Light" panose="020F0302020204030204" pitchFamily="34" charset="0"/>
+                  <a:cs typeface="Calibri Light" panose="020F0302020204030204" pitchFamily="34" charset="0"/>
+                </a:rPr>
+                <a:t>D</a:t>
+              </a:r>
+              <a:r>
+                <a:rPr lang="en-CH" dirty="0">
+                  <a:latin typeface="Calibri Light" panose="020F0302020204030204" pitchFamily="34" charset="0"/>
+                  <a:cs typeface="Calibri Light" panose="020F0302020204030204" pitchFamily="34" charset="0"/>
+                </a:rPr>
+                <a:t>ata coupling</a:t>
+              </a:r>
+            </a:p>
+          </p:txBody>
+        </p:sp>
+        <p:sp>
+          <p:nvSpPr>
+            <p:cNvPr id="27" name="TextBox 26">
+              <a:extLst>
+                <a:ext uri="{FF2B5EF4-FFF2-40B4-BE49-F238E27FC236}">
+                  <a16:creationId xmlns:a16="http://schemas.microsoft.com/office/drawing/2014/main" id="{F45F6320-287A-56AF-C85B-4C38966814E0}"/>
+                </a:ext>
+              </a:extLst>
+            </p:cNvPr>
+            <p:cNvSpPr txBox="1"/>
+            <p:nvPr/>
+          </p:nvSpPr>
+          <p:spPr>
+            <a:xfrm>
+              <a:off x="8275227" y="4873314"/>
+              <a:ext cx="1159537" cy="369332"/>
+            </a:xfrm>
+            <a:prstGeom prst="rect">
+              <a:avLst/>
+            </a:prstGeom>
+            <a:solidFill>
+              <a:schemeClr val="bg1"/>
+            </a:solidFill>
+          </p:spPr>
+          <p:txBody>
+            <a:bodyPr wrap="square" rtlCol="0">
+              <a:spAutoFit/>
+            </a:bodyPr>
+            <a:lstStyle/>
+            <a:p>
+              <a:r>
+                <a:rPr lang="fr-CH" dirty="0" err="1">
+                  <a:latin typeface="Calibri Light" panose="020F0302020204030204" pitchFamily="34" charset="0"/>
+                  <a:cs typeface="Calibri Light" panose="020F0302020204030204" pitchFamily="34" charset="0"/>
+                </a:rPr>
+                <a:t>Processing</a:t>
+              </a:r>
+              <a:endParaRPr lang="en-CH" dirty="0">
+                <a:latin typeface="Calibri Light" panose="020F0302020204030204" pitchFamily="34" charset="0"/>
+                <a:cs typeface="Calibri Light" panose="020F0302020204030204" pitchFamily="34" charset="0"/>
+              </a:endParaRPr>
+            </a:p>
+          </p:txBody>
+        </p:sp>
+        <p:grpSp>
+          <p:nvGrpSpPr>
+            <p:cNvPr id="45" name="Group 44">
+              <a:extLst>
+                <a:ext uri="{FF2B5EF4-FFF2-40B4-BE49-F238E27FC236}">
+                  <a16:creationId xmlns:a16="http://schemas.microsoft.com/office/drawing/2014/main" id="{6C8FB8A5-6590-8BBB-DD9E-D5F8904FA45C}"/>
+                </a:ext>
+              </a:extLst>
+            </p:cNvPr>
+            <p:cNvGrpSpPr/>
+            <p:nvPr/>
+          </p:nvGrpSpPr>
+          <p:grpSpPr>
+            <a:xfrm>
+              <a:off x="1712483" y="2687827"/>
+              <a:ext cx="1044592" cy="761507"/>
+              <a:chOff x="1434078" y="2687827"/>
+              <a:chExt cx="1044592" cy="761507"/>
+            </a:xfrm>
+          </p:grpSpPr>
+          <p:pic>
+            <p:nvPicPr>
+              <p:cNvPr id="31" name="Picture 30" descr="A green line on a black background&#10;&#10;Description automatically generated">
+                <a:extLst>
+                  <a:ext uri="{FF2B5EF4-FFF2-40B4-BE49-F238E27FC236}">
+                    <a16:creationId xmlns:a16="http://schemas.microsoft.com/office/drawing/2014/main" id="{DAF28147-0182-09C7-47B9-D8A7BDEA16E5}"/>
+                  </a:ext>
+                </a:extLst>
+              </p:cNvPr>
+              <p:cNvPicPr>
+                <a:picLocks noChangeAspect="1"/>
+              </p:cNvPicPr>
+              <p:nvPr/>
+            </p:nvPicPr>
+            <p:blipFill>
+              <a:blip r:embed="rId4"/>
+              <a:stretch>
+                <a:fillRect/>
+              </a:stretch>
+            </p:blipFill>
+            <p:spPr>
+              <a:xfrm>
+                <a:off x="1665998" y="2687827"/>
+                <a:ext cx="580753" cy="580753"/>
+              </a:xfrm>
+              <a:prstGeom prst="rect">
+                <a:avLst/>
+              </a:prstGeom>
+            </p:spPr>
+          </p:pic>
+          <p:sp>
+            <p:nvSpPr>
+              <p:cNvPr id="32" name="TextBox 31">
+                <a:extLst>
+                  <a:ext uri="{FF2B5EF4-FFF2-40B4-BE49-F238E27FC236}">
+                    <a16:creationId xmlns:a16="http://schemas.microsoft.com/office/drawing/2014/main" id="{58528696-D725-7B15-47BC-A7D73FB71679}"/>
+                  </a:ext>
+                </a:extLst>
+              </p:cNvPr>
+              <p:cNvSpPr txBox="1"/>
+              <p:nvPr/>
+            </p:nvSpPr>
+            <p:spPr>
+              <a:xfrm>
+                <a:off x="1434078" y="3192515"/>
+                <a:ext cx="1044592" cy="256819"/>
+              </a:xfrm>
+              <a:prstGeom prst="rect">
+                <a:avLst/>
+              </a:prstGeom>
+              <a:noFill/>
+            </p:spPr>
+            <p:txBody>
+              <a:bodyPr wrap="square" rtlCol="0">
+                <a:spAutoFit/>
+              </a:bodyPr>
+              <a:lstStyle/>
+              <a:p>
+                <a:pPr algn="ctr"/>
+                <a:r>
+                  <a:rPr lang="fr-CH" dirty="0">
+                    <a:latin typeface="Calibri Light" panose="020F0302020204030204" pitchFamily="34" charset="0"/>
+                    <a:cs typeface="Calibri Light" panose="020F0302020204030204" pitchFamily="34" charset="0"/>
+                  </a:rPr>
+                  <a:t>Scenario</a:t>
+                </a:r>
+                <a:endParaRPr lang="en-CH" dirty="0">
+                  <a:latin typeface="Calibri Light" panose="020F0302020204030204" pitchFamily="34" charset="0"/>
+                  <a:cs typeface="Calibri Light" panose="020F0302020204030204" pitchFamily="34" charset="0"/>
+                </a:endParaRPr>
+              </a:p>
+            </p:txBody>
+          </p:sp>
+        </p:grpSp>
+        <p:pic>
+          <p:nvPicPr>
+            <p:cNvPr id="33" name="Picture 32">
+              <a:extLst>
+                <a:ext uri="{FF2B5EF4-FFF2-40B4-BE49-F238E27FC236}">
+                  <a16:creationId xmlns:a16="http://schemas.microsoft.com/office/drawing/2014/main" id="{411D53BE-E720-876B-622E-7C0E65833FCD}"/>
+                </a:ext>
+              </a:extLst>
+            </p:cNvPr>
+            <p:cNvPicPr>
+              <a:picLocks noChangeAspect="1"/>
+            </p:cNvPicPr>
+            <p:nvPr/>
+          </p:nvPicPr>
+          <p:blipFill>
+            <a:blip r:embed="rId11"/>
+            <a:stretch>
+              <a:fillRect/>
+            </a:stretch>
+          </p:blipFill>
+          <p:spPr>
+            <a:xfrm>
+              <a:off x="3356716" y="2640612"/>
+              <a:ext cx="929038" cy="929038"/>
+            </a:xfrm>
+            <a:prstGeom prst="rect">
+              <a:avLst/>
+            </a:prstGeom>
+          </p:spPr>
+        </p:pic>
+        <p:cxnSp>
+          <p:nvCxnSpPr>
+            <p:cNvPr id="34" name="Straight Connector 33">
+              <a:extLst>
+                <a:ext uri="{FF2B5EF4-FFF2-40B4-BE49-F238E27FC236}">
+                  <a16:creationId xmlns:a16="http://schemas.microsoft.com/office/drawing/2014/main" id="{504C3693-DD8A-5AB4-B5B7-07147A7277A9}"/>
+                </a:ext>
+              </a:extLst>
+            </p:cNvPr>
+            <p:cNvCxnSpPr>
+              <a:cxnSpLocks/>
+            </p:cNvCxnSpPr>
+            <p:nvPr/>
+          </p:nvCxnSpPr>
+          <p:spPr>
+            <a:xfrm flipH="1">
+              <a:off x="2741289" y="3018634"/>
+              <a:ext cx="515258" cy="0"/>
+            </a:xfrm>
+            <a:prstGeom prst="line">
+              <a:avLst/>
+            </a:prstGeom>
+            <a:ln>
+              <a:solidFill>
+                <a:srgbClr val="007435"/>
+              </a:solidFill>
+            </a:ln>
+          </p:spPr>
+          <p:style>
+            <a:lnRef idx="2">
+              <a:schemeClr val="accent1"/>
+            </a:lnRef>
+            <a:fillRef idx="0">
+              <a:schemeClr val="accent1"/>
+            </a:fillRef>
+            <a:effectRef idx="1">
+              <a:schemeClr val="accent1"/>
+            </a:effectRef>
+            <a:fontRef idx="minor">
+              <a:schemeClr val="tx1"/>
+            </a:fontRef>
+          </p:style>
+        </p:cxnSp>
+        <p:pic>
+          <p:nvPicPr>
+            <p:cNvPr id="41" name="Picture 40" descr="A green gears with arrows&#10;&#10;Description automatically generated">
+              <a:extLst>
+                <a:ext uri="{FF2B5EF4-FFF2-40B4-BE49-F238E27FC236}">
+                  <a16:creationId xmlns:a16="http://schemas.microsoft.com/office/drawing/2014/main" id="{7B781DED-35BD-047D-2EE8-5C0735271399}"/>
+                </a:ext>
+              </a:extLst>
+            </p:cNvPr>
+            <p:cNvPicPr>
+              <a:picLocks noChangeAspect="1"/>
+            </p:cNvPicPr>
+            <p:nvPr/>
+          </p:nvPicPr>
+          <p:blipFill>
+            <a:blip r:embed="rId9"/>
+            <a:stretch>
+              <a:fillRect/>
+            </a:stretch>
+          </p:blipFill>
+          <p:spPr>
+            <a:xfrm>
+              <a:off x="3516384" y="4168588"/>
+              <a:ext cx="603733" cy="603733"/>
+            </a:xfrm>
+            <a:prstGeom prst="rect">
+              <a:avLst/>
+            </a:prstGeom>
+          </p:spPr>
+        </p:pic>
+        <p:grpSp>
+          <p:nvGrpSpPr>
+            <p:cNvPr id="43" name="Group 42">
+              <a:extLst>
+                <a:ext uri="{FF2B5EF4-FFF2-40B4-BE49-F238E27FC236}">
+                  <a16:creationId xmlns:a16="http://schemas.microsoft.com/office/drawing/2014/main" id="{8981DCC6-A375-BEBB-2C81-F642185A323F}"/>
+                </a:ext>
+              </a:extLst>
+            </p:cNvPr>
+            <p:cNvGrpSpPr/>
+            <p:nvPr/>
+          </p:nvGrpSpPr>
+          <p:grpSpPr>
+            <a:xfrm>
+              <a:off x="1563598" y="3737248"/>
+              <a:ext cx="1310789" cy="1160496"/>
+              <a:chOff x="1274223" y="3737248"/>
+              <a:chExt cx="1310789" cy="1160496"/>
+            </a:xfrm>
+          </p:grpSpPr>
+          <p:pic>
+            <p:nvPicPr>
+              <p:cNvPr id="39" name="Graphic 38">
+                <a:extLst>
+                  <a:ext uri="{FF2B5EF4-FFF2-40B4-BE49-F238E27FC236}">
+                    <a16:creationId xmlns:a16="http://schemas.microsoft.com/office/drawing/2014/main" id="{066D9375-8B47-FE1A-E5F4-F280CE278237}"/>
+                  </a:ext>
+                </a:extLst>
+              </p:cNvPr>
+              <p:cNvPicPr>
+                <a:picLocks noChangeAspect="1"/>
+              </p:cNvPicPr>
+              <p:nvPr/>
+            </p:nvPicPr>
+            <p:blipFill>
+              <a:blip r:embed="rId12">
+                <a:extLst>
+                  <a:ext uri="{96DAC541-7B7A-43D3-8B79-37D633B846F1}">
+                    <asvg:svgBlip xmlns:asvg="http://schemas.microsoft.com/office/drawing/2016/SVG/main" r:embed="rId13"/>
+                  </a:ext>
+                </a:extLst>
+              </a:blip>
+              <a:stretch>
+                <a:fillRect/>
+              </a:stretch>
+            </p:blipFill>
+            <p:spPr>
+              <a:xfrm>
+                <a:off x="1665998" y="3737248"/>
+                <a:ext cx="558812" cy="558812"/>
+              </a:xfrm>
+              <a:prstGeom prst="rect">
+                <a:avLst/>
+              </a:prstGeom>
+            </p:spPr>
+          </p:pic>
+          <p:sp>
+            <p:nvSpPr>
+              <p:cNvPr id="40" name="TextBox 39">
+                <a:extLst>
+                  <a:ext uri="{FF2B5EF4-FFF2-40B4-BE49-F238E27FC236}">
+                    <a16:creationId xmlns:a16="http://schemas.microsoft.com/office/drawing/2014/main" id="{173453BE-6476-6F9E-0EA0-49EBE1324AD7}"/>
+                  </a:ext>
+                </a:extLst>
+              </p:cNvPr>
+              <p:cNvSpPr txBox="1"/>
+              <p:nvPr/>
+            </p:nvSpPr>
+            <p:spPr>
+              <a:xfrm>
+                <a:off x="1407322" y="4528412"/>
+                <a:ext cx="1044592" cy="369332"/>
+              </a:xfrm>
+              <a:prstGeom prst="rect">
+                <a:avLst/>
+              </a:prstGeom>
+              <a:noFill/>
+            </p:spPr>
+            <p:txBody>
+              <a:bodyPr wrap="square" rtlCol="0">
+                <a:spAutoFit/>
+              </a:bodyPr>
+              <a:lstStyle/>
+              <a:p>
+                <a:pPr algn="ctr"/>
+                <a:r>
+                  <a:rPr lang="fr-CH" dirty="0" err="1">
+                    <a:latin typeface="Calibri Light" panose="020F0302020204030204" pitchFamily="34" charset="0"/>
+                    <a:cs typeface="Calibri Light" panose="020F0302020204030204" pitchFamily="34" charset="0"/>
+                  </a:rPr>
+                  <a:t>database</a:t>
+                </a:r>
+                <a:endParaRPr lang="en-CH" dirty="0">
+                  <a:latin typeface="Calibri Light" panose="020F0302020204030204" pitchFamily="34" charset="0"/>
+                  <a:cs typeface="Calibri Light" panose="020F0302020204030204" pitchFamily="34" charset="0"/>
+                </a:endParaRPr>
+              </a:p>
+            </p:txBody>
+          </p:sp>
+          <p:pic>
+            <p:nvPicPr>
+              <p:cNvPr id="42" name="Picture 2" descr="ecoinvent database | iPoint">
+                <a:extLst>
+                  <a:ext uri="{FF2B5EF4-FFF2-40B4-BE49-F238E27FC236}">
+                    <a16:creationId xmlns:a16="http://schemas.microsoft.com/office/drawing/2014/main" id="{A6229B1E-0FB1-C78F-D473-D2D55B4C60A0}"/>
+                  </a:ext>
+                </a:extLst>
+              </p:cNvPr>
+              <p:cNvPicPr>
+                <a:picLocks noChangeAspect="1" noChangeArrowheads="1"/>
+              </p:cNvPicPr>
+              <p:nvPr/>
+            </p:nvPicPr>
+            <p:blipFill>
+              <a:blip r:embed="rId14">
+                <a:extLst>
+                  <a:ext uri="{28A0092B-C50C-407E-A947-70E740481C1C}">
+                    <a14:useLocalDpi xmlns:a14="http://schemas.microsoft.com/office/drawing/2010/main" val="0"/>
+                  </a:ext>
+                </a:extLst>
+              </a:blip>
+              <a:srcRect/>
+              <a:stretch>
+                <a:fillRect/>
+              </a:stretch>
+            </p:blipFill>
+            <p:spPr bwMode="auto">
+              <a:xfrm>
+                <a:off x="1274223" y="4360487"/>
+                <a:ext cx="1310789" cy="215051"/>
+              </a:xfrm>
+              <a:prstGeom prst="rect">
+                <a:avLst/>
+              </a:prstGeom>
+              <a:noFill/>
+              <a:extLst>
+                <a:ext uri="{909E8E84-426E-40DD-AFC4-6F175D3DCCD1}">
+                  <a14:hiddenFill xmlns:a14="http://schemas.microsoft.com/office/drawing/2010/main">
+                    <a:solidFill>
+                      <a:srgbClr val="FFFFFF"/>
+                    </a:solidFill>
+                  </a14:hiddenFill>
+                </a:ext>
+              </a:extLst>
+            </p:spPr>
+          </p:pic>
+        </p:grpSp>
+        <p:cxnSp>
+          <p:nvCxnSpPr>
+            <p:cNvPr id="48" name="Straight Connector 47">
+              <a:extLst>
+                <a:ext uri="{FF2B5EF4-FFF2-40B4-BE49-F238E27FC236}">
+                  <a16:creationId xmlns:a16="http://schemas.microsoft.com/office/drawing/2014/main" id="{C56000BB-7A81-463C-191F-E0383EDDE210}"/>
+                </a:ext>
+              </a:extLst>
+            </p:cNvPr>
+            <p:cNvCxnSpPr>
+              <a:cxnSpLocks/>
+            </p:cNvCxnSpPr>
+            <p:nvPr/>
+          </p:nvCxnSpPr>
+          <p:spPr>
+            <a:xfrm flipH="1">
+              <a:off x="2729008" y="4016654"/>
+              <a:ext cx="266214" cy="0"/>
+            </a:xfrm>
+            <a:prstGeom prst="line">
+              <a:avLst/>
+            </a:prstGeom>
+            <a:ln>
+              <a:solidFill>
+                <a:srgbClr val="007435"/>
+              </a:solidFill>
+            </a:ln>
+          </p:spPr>
+          <p:style>
+            <a:lnRef idx="2">
+              <a:schemeClr val="accent1"/>
+            </a:lnRef>
+            <a:fillRef idx="0">
+              <a:schemeClr val="accent1"/>
+            </a:fillRef>
+            <a:effectRef idx="1">
+              <a:schemeClr val="accent1"/>
+            </a:effectRef>
+            <a:fontRef idx="minor">
+              <a:schemeClr val="tx1"/>
+            </a:fontRef>
+          </p:style>
+        </p:cxnSp>
+        <p:cxnSp>
+          <p:nvCxnSpPr>
+            <p:cNvPr id="51" name="Straight Connector 50">
+              <a:extLst>
+                <a:ext uri="{FF2B5EF4-FFF2-40B4-BE49-F238E27FC236}">
+                  <a16:creationId xmlns:a16="http://schemas.microsoft.com/office/drawing/2014/main" id="{0951641D-CEE3-D03C-D61C-0CBACA3E48DB}"/>
+                </a:ext>
+              </a:extLst>
+            </p:cNvPr>
+            <p:cNvCxnSpPr>
+              <a:cxnSpLocks/>
+            </p:cNvCxnSpPr>
+            <p:nvPr/>
+          </p:nvCxnSpPr>
+          <p:spPr>
+            <a:xfrm flipV="1">
+              <a:off x="2985209" y="3136135"/>
+              <a:ext cx="0" cy="873966"/>
+            </a:xfrm>
+            <a:prstGeom prst="line">
+              <a:avLst/>
+            </a:prstGeom>
+            <a:ln>
+              <a:solidFill>
+                <a:srgbClr val="007435"/>
+              </a:solidFill>
+            </a:ln>
+          </p:spPr>
+          <p:style>
+            <a:lnRef idx="2">
+              <a:schemeClr val="accent1"/>
+            </a:lnRef>
+            <a:fillRef idx="0">
+              <a:schemeClr val="accent1"/>
+            </a:fillRef>
+            <a:effectRef idx="1">
+              <a:schemeClr val="accent1"/>
+            </a:effectRef>
+            <a:fontRef idx="minor">
+              <a:schemeClr val="tx1"/>
+            </a:fontRef>
+          </p:style>
+        </p:cxnSp>
+        <p:cxnSp>
+          <p:nvCxnSpPr>
+            <p:cNvPr id="53" name="Straight Connector 52">
+              <a:extLst>
+                <a:ext uri="{FF2B5EF4-FFF2-40B4-BE49-F238E27FC236}">
+                  <a16:creationId xmlns:a16="http://schemas.microsoft.com/office/drawing/2014/main" id="{724F5917-B2A7-ABDC-63E1-2A28600ECCEB}"/>
+                </a:ext>
+              </a:extLst>
+            </p:cNvPr>
+            <p:cNvCxnSpPr>
+              <a:cxnSpLocks/>
+            </p:cNvCxnSpPr>
+            <p:nvPr/>
+          </p:nvCxnSpPr>
+          <p:spPr>
+            <a:xfrm flipH="1">
+              <a:off x="2985209" y="3138977"/>
+              <a:ext cx="266214" cy="0"/>
+            </a:xfrm>
+            <a:prstGeom prst="line">
+              <a:avLst/>
+            </a:prstGeom>
+            <a:ln>
+              <a:solidFill>
+                <a:srgbClr val="007435"/>
+              </a:solidFill>
+            </a:ln>
+          </p:spPr>
+          <p:style>
+            <a:lnRef idx="2">
+              <a:schemeClr val="accent1"/>
+            </a:lnRef>
+            <a:fillRef idx="0">
+              <a:schemeClr val="accent1"/>
+            </a:fillRef>
+            <a:effectRef idx="1">
+              <a:schemeClr val="accent1"/>
+            </a:effectRef>
+            <a:fontRef idx="minor">
+              <a:schemeClr val="tx1"/>
+            </a:fontRef>
+          </p:style>
+        </p:cxnSp>
+        <p:grpSp>
+          <p:nvGrpSpPr>
+            <p:cNvPr id="54" name="Group 53">
+              <a:extLst>
+                <a:ext uri="{FF2B5EF4-FFF2-40B4-BE49-F238E27FC236}">
+                  <a16:creationId xmlns:a16="http://schemas.microsoft.com/office/drawing/2014/main" id="{54E6E097-664D-FB9B-02CF-71D1D55340F4}"/>
+                </a:ext>
+              </a:extLst>
+            </p:cNvPr>
+            <p:cNvGrpSpPr/>
+            <p:nvPr/>
+          </p:nvGrpSpPr>
+          <p:grpSpPr>
+            <a:xfrm>
+              <a:off x="1623249" y="5043199"/>
+              <a:ext cx="1219101" cy="1266319"/>
+              <a:chOff x="1333874" y="3737248"/>
+              <a:chExt cx="1219101" cy="1266319"/>
+            </a:xfrm>
+          </p:grpSpPr>
+          <p:pic>
+            <p:nvPicPr>
+              <p:cNvPr id="61" name="Graphic 60">
+                <a:extLst>
+                  <a:ext uri="{FF2B5EF4-FFF2-40B4-BE49-F238E27FC236}">
+                    <a16:creationId xmlns:a16="http://schemas.microsoft.com/office/drawing/2014/main" id="{7D73CEB9-4223-CC8A-F924-449C12F3975F}"/>
+                  </a:ext>
+                </a:extLst>
+              </p:cNvPr>
+              <p:cNvPicPr>
+                <a:picLocks noChangeAspect="1"/>
+              </p:cNvPicPr>
+              <p:nvPr/>
+            </p:nvPicPr>
+            <p:blipFill>
+              <a:blip r:embed="rId12">
+                <a:extLst>
+                  <a:ext uri="{96DAC541-7B7A-43D3-8B79-37D633B846F1}">
+                    <asvg:svgBlip xmlns:asvg="http://schemas.microsoft.com/office/drawing/2016/SVG/main" r:embed="rId13"/>
+                  </a:ext>
+                </a:extLst>
+              </a:blip>
+              <a:stretch>
+                <a:fillRect/>
+              </a:stretch>
+            </p:blipFill>
+            <p:spPr>
+              <a:xfrm>
+                <a:off x="1665998" y="3737248"/>
+                <a:ext cx="558812" cy="558812"/>
+              </a:xfrm>
+              <a:prstGeom prst="rect">
+                <a:avLst/>
+              </a:prstGeom>
+            </p:spPr>
+          </p:pic>
+          <p:sp>
+            <p:nvSpPr>
+              <p:cNvPr id="62" name="TextBox 61">
+                <a:extLst>
+                  <a:ext uri="{FF2B5EF4-FFF2-40B4-BE49-F238E27FC236}">
+                    <a16:creationId xmlns:a16="http://schemas.microsoft.com/office/drawing/2014/main" id="{998D8167-7772-651C-3704-8E170EC3A0E9}"/>
+                  </a:ext>
+                </a:extLst>
+              </p:cNvPr>
+              <p:cNvSpPr txBox="1"/>
+              <p:nvPr/>
+            </p:nvSpPr>
+            <p:spPr>
+              <a:xfrm>
+                <a:off x="1333874" y="4357236"/>
+                <a:ext cx="1219101" cy="646331"/>
+              </a:xfrm>
+              <a:prstGeom prst="rect">
+                <a:avLst/>
+              </a:prstGeom>
+              <a:noFill/>
+            </p:spPr>
+            <p:txBody>
+              <a:bodyPr wrap="square" rtlCol="0">
+                <a:spAutoFit/>
+              </a:bodyPr>
+              <a:lstStyle/>
+              <a:p>
+                <a:pPr algn="ctr"/>
+                <a:r>
+                  <a:rPr lang="fr-CH" dirty="0" err="1">
+                    <a:latin typeface="Calibri Light" panose="020F0302020204030204" pitchFamily="34" charset="0"/>
+                    <a:cs typeface="Calibri Light" panose="020F0302020204030204" pitchFamily="34" charset="0"/>
+                  </a:rPr>
+                  <a:t>Additional</a:t>
+                </a:r>
+                <a:r>
+                  <a:rPr lang="fr-CH" dirty="0">
+                    <a:latin typeface="Calibri Light" panose="020F0302020204030204" pitchFamily="34" charset="0"/>
+                    <a:cs typeface="Calibri Light" panose="020F0302020204030204" pitchFamily="34" charset="0"/>
+                  </a:rPr>
+                  <a:t> inventories</a:t>
+                </a:r>
+                <a:endParaRPr lang="en-CH" dirty="0">
+                  <a:latin typeface="Calibri Light" panose="020F0302020204030204" pitchFamily="34" charset="0"/>
+                  <a:cs typeface="Calibri Light" panose="020F0302020204030204" pitchFamily="34" charset="0"/>
+                </a:endParaRPr>
+              </a:p>
+            </p:txBody>
+          </p:sp>
+        </p:grpSp>
+        <p:cxnSp>
+          <p:nvCxnSpPr>
+            <p:cNvPr id="65" name="Straight Connector 64">
+              <a:extLst>
+                <a:ext uri="{FF2B5EF4-FFF2-40B4-BE49-F238E27FC236}">
+                  <a16:creationId xmlns:a16="http://schemas.microsoft.com/office/drawing/2014/main" id="{04DA63DA-A668-828B-F7EE-B5FA69B53F92}"/>
+                </a:ext>
+              </a:extLst>
+            </p:cNvPr>
+            <p:cNvCxnSpPr>
+              <a:cxnSpLocks/>
+            </p:cNvCxnSpPr>
+            <p:nvPr/>
+          </p:nvCxnSpPr>
+          <p:spPr>
+            <a:xfrm flipH="1">
+              <a:off x="2729008" y="5300663"/>
+              <a:ext cx="393361" cy="0"/>
+            </a:xfrm>
+            <a:prstGeom prst="line">
+              <a:avLst/>
+            </a:prstGeom>
+            <a:ln>
+              <a:solidFill>
+                <a:srgbClr val="007435"/>
+              </a:solidFill>
+            </a:ln>
+          </p:spPr>
+          <p:style>
+            <a:lnRef idx="2">
+              <a:schemeClr val="accent1"/>
+            </a:lnRef>
+            <a:fillRef idx="0">
+              <a:schemeClr val="accent1"/>
+            </a:fillRef>
+            <a:effectRef idx="1">
+              <a:schemeClr val="accent1"/>
+            </a:effectRef>
+            <a:fontRef idx="minor">
+              <a:schemeClr val="tx1"/>
+            </a:fontRef>
+          </p:style>
+        </p:cxnSp>
+        <p:cxnSp>
+          <p:nvCxnSpPr>
+            <p:cNvPr id="66" name="Straight Connector 65">
+              <a:extLst>
+                <a:ext uri="{FF2B5EF4-FFF2-40B4-BE49-F238E27FC236}">
+                  <a16:creationId xmlns:a16="http://schemas.microsoft.com/office/drawing/2014/main" id="{67AF2729-B644-E7AE-E3DC-9ED45F027EE8}"/>
+                </a:ext>
+              </a:extLst>
+            </p:cNvPr>
+            <p:cNvCxnSpPr>
+              <a:cxnSpLocks/>
+            </p:cNvCxnSpPr>
+            <p:nvPr/>
+          </p:nvCxnSpPr>
+          <p:spPr>
+            <a:xfrm flipV="1">
+              <a:off x="3122369" y="3261865"/>
+              <a:ext cx="0" cy="2042773"/>
+            </a:xfrm>
+            <a:prstGeom prst="line">
+              <a:avLst/>
+            </a:prstGeom>
+            <a:ln>
+              <a:solidFill>
+                <a:srgbClr val="007435"/>
+              </a:solidFill>
+            </a:ln>
+          </p:spPr>
+          <p:style>
+            <a:lnRef idx="2">
+              <a:schemeClr val="accent1"/>
+            </a:lnRef>
+            <a:fillRef idx="0">
+              <a:schemeClr val="accent1"/>
+            </a:fillRef>
+            <a:effectRef idx="1">
+              <a:schemeClr val="accent1"/>
+            </a:effectRef>
+            <a:fontRef idx="minor">
+              <a:schemeClr val="tx1"/>
+            </a:fontRef>
+          </p:style>
+        </p:cxnSp>
+        <p:cxnSp>
+          <p:nvCxnSpPr>
+            <p:cNvPr id="69" name="Straight Connector 68">
+              <a:extLst>
+                <a:ext uri="{FF2B5EF4-FFF2-40B4-BE49-F238E27FC236}">
+                  <a16:creationId xmlns:a16="http://schemas.microsoft.com/office/drawing/2014/main" id="{04A3E0B2-F9C6-731C-5B89-8A633600B2F2}"/>
+                </a:ext>
+              </a:extLst>
+            </p:cNvPr>
+            <p:cNvCxnSpPr>
+              <a:cxnSpLocks/>
+            </p:cNvCxnSpPr>
+            <p:nvPr/>
+          </p:nvCxnSpPr>
+          <p:spPr>
+            <a:xfrm flipH="1">
+              <a:off x="3122369" y="3261865"/>
+              <a:ext cx="129054" cy="0"/>
+            </a:xfrm>
+            <a:prstGeom prst="line">
+              <a:avLst/>
+            </a:prstGeom>
+            <a:ln>
+              <a:solidFill>
+                <a:srgbClr val="007435"/>
+              </a:solidFill>
+            </a:ln>
+          </p:spPr>
+          <p:style>
+            <a:lnRef idx="2">
+              <a:schemeClr val="accent1"/>
+            </a:lnRef>
+            <a:fillRef idx="0">
+              <a:schemeClr val="accent1"/>
+            </a:fillRef>
+            <a:effectRef idx="1">
+              <a:schemeClr val="accent1"/>
+            </a:effectRef>
+            <a:fontRef idx="minor">
+              <a:schemeClr val="tx1"/>
+            </a:fontRef>
+          </p:style>
+        </p:cxnSp>
+        <p:cxnSp>
+          <p:nvCxnSpPr>
+            <p:cNvPr id="77" name="Straight Connector 76">
+              <a:extLst>
+                <a:ext uri="{FF2B5EF4-FFF2-40B4-BE49-F238E27FC236}">
+                  <a16:creationId xmlns:a16="http://schemas.microsoft.com/office/drawing/2014/main" id="{D90C7503-15C9-DCD5-E113-1CAA20E32CC4}"/>
+                </a:ext>
+              </a:extLst>
+            </p:cNvPr>
+            <p:cNvCxnSpPr>
+              <a:cxnSpLocks/>
+              <a:stCxn id="41" idx="0"/>
+              <a:endCxn id="33" idx="2"/>
+            </p:cNvCxnSpPr>
+            <p:nvPr/>
+          </p:nvCxnSpPr>
+          <p:spPr>
+            <a:xfrm flipV="1">
+              <a:off x="3818251" y="3569650"/>
+              <a:ext cx="2984" cy="598938"/>
+            </a:xfrm>
+            <a:prstGeom prst="line">
+              <a:avLst/>
+            </a:prstGeom>
+            <a:ln>
+              <a:solidFill>
+                <a:srgbClr val="007435"/>
+              </a:solidFill>
+            </a:ln>
+          </p:spPr>
+          <p:style>
+            <a:lnRef idx="2">
+              <a:schemeClr val="accent1"/>
+            </a:lnRef>
+            <a:fillRef idx="0">
+              <a:schemeClr val="accent1"/>
+            </a:fillRef>
+            <a:effectRef idx="1">
+              <a:schemeClr val="accent1"/>
+            </a:effectRef>
+            <a:fontRef idx="minor">
+              <a:schemeClr val="tx1"/>
+            </a:fontRef>
+          </p:style>
+        </p:cxnSp>
+        <p:pic>
+          <p:nvPicPr>
+            <p:cNvPr id="88" name="Picture 87" descr="A green and black square and black square and a black background&#10;&#10;Description automatically generated with medium confidence">
+              <a:extLst>
+                <a:ext uri="{FF2B5EF4-FFF2-40B4-BE49-F238E27FC236}">
+                  <a16:creationId xmlns:a16="http://schemas.microsoft.com/office/drawing/2014/main" id="{F938F8B9-F559-F430-CBE0-6F081E9700D7}"/>
+                </a:ext>
+              </a:extLst>
+            </p:cNvPr>
+            <p:cNvPicPr>
+              <a:picLocks noChangeAspect="1"/>
+            </p:cNvPicPr>
+            <p:nvPr/>
+          </p:nvPicPr>
+          <p:blipFill>
+            <a:blip r:embed="rId3"/>
+            <a:stretch>
+              <a:fillRect/>
+            </a:stretch>
+          </p:blipFill>
+          <p:spPr>
+            <a:xfrm>
+              <a:off x="3491649" y="4993559"/>
+              <a:ext cx="688035" cy="688035"/>
+            </a:xfrm>
+            <a:prstGeom prst="rect">
+              <a:avLst/>
+            </a:prstGeom>
+          </p:spPr>
+        </p:pic>
+        <p:cxnSp>
+          <p:nvCxnSpPr>
+            <p:cNvPr id="90" name="Straight Connector 89">
+              <a:extLst>
+                <a:ext uri="{FF2B5EF4-FFF2-40B4-BE49-F238E27FC236}">
+                  <a16:creationId xmlns:a16="http://schemas.microsoft.com/office/drawing/2014/main" id="{0D17873F-246E-A3CB-42C4-FC2583925A96}"/>
+                </a:ext>
+              </a:extLst>
+            </p:cNvPr>
+            <p:cNvCxnSpPr>
+              <a:cxnSpLocks/>
+              <a:endCxn id="41" idx="2"/>
+            </p:cNvCxnSpPr>
+            <p:nvPr/>
+          </p:nvCxnSpPr>
+          <p:spPr>
+            <a:xfrm flipV="1">
+              <a:off x="3818251" y="4772321"/>
+              <a:ext cx="0" cy="180845"/>
+            </a:xfrm>
+            <a:prstGeom prst="line">
+              <a:avLst/>
+            </a:prstGeom>
+            <a:ln>
+              <a:solidFill>
+                <a:srgbClr val="007435"/>
+              </a:solidFill>
+            </a:ln>
+          </p:spPr>
+          <p:style>
+            <a:lnRef idx="2">
+              <a:schemeClr val="accent1"/>
+            </a:lnRef>
+            <a:fillRef idx="0">
+              <a:schemeClr val="accent1"/>
+            </a:fillRef>
+            <a:effectRef idx="1">
+              <a:schemeClr val="accent1"/>
+            </a:effectRef>
+            <a:fontRef idx="minor">
+              <a:schemeClr val="tx1"/>
+            </a:fontRef>
+          </p:style>
+        </p:cxnSp>
+        <p:cxnSp>
+          <p:nvCxnSpPr>
+            <p:cNvPr id="93" name="Straight Connector 92">
+              <a:extLst>
+                <a:ext uri="{FF2B5EF4-FFF2-40B4-BE49-F238E27FC236}">
+                  <a16:creationId xmlns:a16="http://schemas.microsoft.com/office/drawing/2014/main" id="{58829BD4-5A97-DC64-2CFC-99EFF70DFA59}"/>
+                </a:ext>
+              </a:extLst>
+            </p:cNvPr>
+            <p:cNvCxnSpPr>
+              <a:cxnSpLocks/>
+            </p:cNvCxnSpPr>
+            <p:nvPr/>
+          </p:nvCxnSpPr>
+          <p:spPr>
+            <a:xfrm flipH="1">
+              <a:off x="4179684" y="5300663"/>
+              <a:ext cx="796999" cy="0"/>
+            </a:xfrm>
+            <a:prstGeom prst="line">
+              <a:avLst/>
+            </a:prstGeom>
+            <a:ln>
+              <a:solidFill>
+                <a:srgbClr val="007435"/>
+              </a:solidFill>
+            </a:ln>
+          </p:spPr>
+          <p:style>
+            <a:lnRef idx="2">
+              <a:schemeClr val="accent1"/>
+            </a:lnRef>
+            <a:fillRef idx="0">
+              <a:schemeClr val="accent1"/>
+            </a:fillRef>
+            <a:effectRef idx="1">
+              <a:schemeClr val="accent1"/>
+            </a:effectRef>
+            <a:fontRef idx="minor">
+              <a:schemeClr val="tx1"/>
+            </a:fontRef>
+          </p:style>
+        </p:cxnSp>
+        <p:cxnSp>
+          <p:nvCxnSpPr>
+            <p:cNvPr id="98" name="Straight Connector 97">
+              <a:extLst>
+                <a:ext uri="{FF2B5EF4-FFF2-40B4-BE49-F238E27FC236}">
+                  <a16:creationId xmlns:a16="http://schemas.microsoft.com/office/drawing/2014/main" id="{8BDDB4A4-B135-41EF-E7B6-3A8496630BDA}"/>
+                </a:ext>
+              </a:extLst>
+            </p:cNvPr>
+            <p:cNvCxnSpPr>
+              <a:cxnSpLocks/>
+            </p:cNvCxnSpPr>
+            <p:nvPr/>
+          </p:nvCxnSpPr>
+          <p:spPr>
+            <a:xfrm flipV="1">
+              <a:off x="4976683" y="2938691"/>
+              <a:ext cx="0" cy="2365947"/>
+            </a:xfrm>
+            <a:prstGeom prst="line">
+              <a:avLst/>
+            </a:prstGeom>
+            <a:ln>
+              <a:solidFill>
+                <a:srgbClr val="007435"/>
+              </a:solidFill>
+            </a:ln>
+          </p:spPr>
+          <p:style>
+            <a:lnRef idx="2">
+              <a:schemeClr val="accent1"/>
+            </a:lnRef>
+            <a:fillRef idx="0">
+              <a:schemeClr val="accent1"/>
+            </a:fillRef>
+            <a:effectRef idx="1">
+              <a:schemeClr val="accent1"/>
+            </a:effectRef>
+            <a:fontRef idx="minor">
+              <a:schemeClr val="tx1"/>
+            </a:fontRef>
+          </p:style>
+        </p:cxnSp>
+        <p:cxnSp>
+          <p:nvCxnSpPr>
+            <p:cNvPr id="106" name="Straight Connector 105">
+              <a:extLst>
+                <a:ext uri="{FF2B5EF4-FFF2-40B4-BE49-F238E27FC236}">
+                  <a16:creationId xmlns:a16="http://schemas.microsoft.com/office/drawing/2014/main" id="{772EAC45-D330-E084-F0E8-5F84025D0D5F}"/>
+                </a:ext>
+              </a:extLst>
+            </p:cNvPr>
+            <p:cNvCxnSpPr>
+              <a:cxnSpLocks/>
+            </p:cNvCxnSpPr>
+            <p:nvPr/>
+          </p:nvCxnSpPr>
+          <p:spPr>
+            <a:xfrm flipH="1">
+              <a:off x="4976683" y="2939615"/>
+              <a:ext cx="131787" cy="0"/>
+            </a:xfrm>
+            <a:prstGeom prst="line">
+              <a:avLst/>
+            </a:prstGeom>
+            <a:ln>
+              <a:solidFill>
+                <a:srgbClr val="007435"/>
+              </a:solidFill>
+            </a:ln>
+          </p:spPr>
+          <p:style>
+            <a:lnRef idx="2">
+              <a:schemeClr val="accent1"/>
+            </a:lnRef>
+            <a:fillRef idx="0">
+              <a:schemeClr val="accent1"/>
+            </a:fillRef>
+            <a:effectRef idx="1">
+              <a:schemeClr val="accent1"/>
+            </a:effectRef>
+            <a:fontRef idx="minor">
+              <a:schemeClr val="tx1"/>
+            </a:fontRef>
+          </p:style>
+        </p:cxnSp>
+      </p:grpSp>
+    </p:spTree>
+    <p:extLst>
+      <p:ext uri="{BB962C8B-B14F-4D97-AF65-F5344CB8AC3E}">
+        <p14:creationId xmlns:p14="http://schemas.microsoft.com/office/powerpoint/2010/main" val="43074873"/>
+      </p:ext>
+    </p:extLst>
+  </p:cSld>
+  <p:clrMapOvr>
+    <a:masterClrMapping/>
+  </p:clrMapOvr>
+</p:sld>
+</file>
+
 <file path=ppt/theme/theme1.xml><?xml version="1.0" encoding="utf-8"?>
 <a:theme xmlns:a="http://schemas.openxmlformats.org/drawingml/2006/main" name="Office Theme">
   <a:themeElements>
